--- a/Notebooks/English/05 - Active Directory/25 - Solve common problems when adding a custom domain name - Learn  Microsoft Docs.pptx
+++ b/Notebooks/English/05 - Active Directory/25 - Solve common problems when adding a custom domain name - Learn  Microsoft Docs.pptx
@@ -1,20 +1,25 @@
 
 <file path=ppt/presentation.xml><?xml version="1.0" encoding="utf-8"?>
-<p:presentation xmlns:a="http://schemas.openxmlformats.org/drawingml/2006/main" xmlns:r="http://schemas.openxmlformats.org/officeDocument/2006/relationships" xmlns:p="http://schemas.openxmlformats.org/presentationml/2006/main" saveSubsetFonts="1" autoCompressPictures="0">
+<p:presentation xmlns:a="http://schemas.openxmlformats.org/drawingml/2006/main" xmlns:p="http://schemas.openxmlformats.org/presentationml/2006/main" xmlns:r="http://schemas.openxmlformats.org/officeDocument/2006/relationships" autoCompressPictures="0" saveSubsetFonts="1">
   <p:sldMasterIdLst>
     <p:sldMasterId id="2147483648" r:id="rId1"/>
   </p:sldMasterIdLst>
   <p:sldIdLst>
-    <p:sldId id="256" r:id="rId7"/>
+    <p:sldId id="256" r:id="rId2"/>
+    <p:sldId id="257" r:id="rId3"/>
+    <p:sldId id="258" r:id="rId4"/>
+    <p:sldId id="259" r:id="rId5"/>
+    <p:sldId id="260" r:id="rId6"/>
+    <p:sldId id="261" r:id="rId7"/>
   </p:sldIdLst>
-  <p:sldSz cx="9144000" cy="6858000" type="screen4x3"/>
+  <p:sldSz cx="9144000" cy="5143500" type="screen16x9"/>
   <p:notesSz cx="6858000" cy="9144000"/>
   <p:defaultTextStyle>
     <a:defPPr>
       <a:defRPr lang="en-US"/>
     </a:defPPr>
-    <a:lvl1pPr marL="0" algn="l" defTabSz="457200" rtl="0" eaLnBrk="1" latinLnBrk="0" hangingPunct="1">
-      <a:defRPr sz="1800" kern="1200">
+    <a:lvl1pPr algn="l" defTabSz="457200" eaLnBrk="1" hangingPunct="1" latinLnBrk="0" marL="0" rtl="0">
+      <a:defRPr kern="1200" sz="1800">
         <a:solidFill>
           <a:schemeClr val="tx1"/>
         </a:solidFill>
@@ -23,8 +28,8 @@
         <a:cs typeface="+mn-cs"/>
       </a:defRPr>
     </a:lvl1pPr>
-    <a:lvl2pPr marL="457200" algn="l" defTabSz="457200" rtl="0" eaLnBrk="1" latinLnBrk="0" hangingPunct="1">
-      <a:defRPr sz="1800" kern="1200">
+    <a:lvl2pPr algn="l" defTabSz="457200" eaLnBrk="1" hangingPunct="1" latinLnBrk="0" marL="457200" rtl="0">
+      <a:defRPr kern="1200" sz="1800">
         <a:solidFill>
           <a:schemeClr val="tx1"/>
         </a:solidFill>
@@ -33,8 +38,8 @@
         <a:cs typeface="+mn-cs"/>
       </a:defRPr>
     </a:lvl2pPr>
-    <a:lvl3pPr marL="914400" algn="l" defTabSz="457200" rtl="0" eaLnBrk="1" latinLnBrk="0" hangingPunct="1">
-      <a:defRPr sz="1800" kern="1200">
+    <a:lvl3pPr algn="l" defTabSz="457200" eaLnBrk="1" hangingPunct="1" latinLnBrk="0" marL="914400" rtl="0">
+      <a:defRPr kern="1200" sz="1800">
         <a:solidFill>
           <a:schemeClr val="tx1"/>
         </a:solidFill>
@@ -43,8 +48,8 @@
         <a:cs typeface="+mn-cs"/>
       </a:defRPr>
     </a:lvl3pPr>
-    <a:lvl4pPr marL="1371600" algn="l" defTabSz="457200" rtl="0" eaLnBrk="1" latinLnBrk="0" hangingPunct="1">
-      <a:defRPr sz="1800" kern="1200">
+    <a:lvl4pPr algn="l" defTabSz="457200" eaLnBrk="1" hangingPunct="1" latinLnBrk="0" marL="1371600" rtl="0">
+      <a:defRPr kern="1200" sz="1800">
         <a:solidFill>
           <a:schemeClr val="tx1"/>
         </a:solidFill>
@@ -53,8 +58,8 @@
         <a:cs typeface="+mn-cs"/>
       </a:defRPr>
     </a:lvl4pPr>
-    <a:lvl5pPr marL="1828800" algn="l" defTabSz="457200" rtl="0" eaLnBrk="1" latinLnBrk="0" hangingPunct="1">
-      <a:defRPr sz="1800" kern="1200">
+    <a:lvl5pPr algn="l" defTabSz="457200" eaLnBrk="1" hangingPunct="1" latinLnBrk="0" marL="1828800" rtl="0">
+      <a:defRPr kern="1200" sz="1800">
         <a:solidFill>
           <a:schemeClr val="tx1"/>
         </a:solidFill>
@@ -63,8 +68,8 @@
         <a:cs typeface="+mn-cs"/>
       </a:defRPr>
     </a:lvl5pPr>
-    <a:lvl6pPr marL="2286000" algn="l" defTabSz="457200" rtl="0" eaLnBrk="1" latinLnBrk="0" hangingPunct="1">
-      <a:defRPr sz="1800" kern="1200">
+    <a:lvl6pPr algn="l" defTabSz="457200" eaLnBrk="1" hangingPunct="1" latinLnBrk="0" marL="2286000" rtl="0">
+      <a:defRPr kern="1200" sz="1800">
         <a:solidFill>
           <a:schemeClr val="tx1"/>
         </a:solidFill>
@@ -73,8 +78,8 @@
         <a:cs typeface="+mn-cs"/>
       </a:defRPr>
     </a:lvl6pPr>
-    <a:lvl7pPr marL="2743200" algn="l" defTabSz="457200" rtl="0" eaLnBrk="1" latinLnBrk="0" hangingPunct="1">
-      <a:defRPr sz="1800" kern="1200">
+    <a:lvl7pPr algn="l" defTabSz="457200" eaLnBrk="1" hangingPunct="1" latinLnBrk="0" marL="2743200" rtl="0">
+      <a:defRPr kern="1200" sz="1800">
         <a:solidFill>
           <a:schemeClr val="tx1"/>
         </a:solidFill>
@@ -83,8 +88,8 @@
         <a:cs typeface="+mn-cs"/>
       </a:defRPr>
     </a:lvl7pPr>
-    <a:lvl8pPr marL="3200400" algn="l" defTabSz="457200" rtl="0" eaLnBrk="1" latinLnBrk="0" hangingPunct="1">
-      <a:defRPr sz="1800" kern="1200">
+    <a:lvl8pPr algn="l" defTabSz="457200" eaLnBrk="1" hangingPunct="1" latinLnBrk="0" marL="3200400" rtl="0">
+      <a:defRPr kern="1200" sz="1800">
         <a:solidFill>
           <a:schemeClr val="tx1"/>
         </a:solidFill>
@@ -93,8 +98,8 @@
         <a:cs typeface="+mn-cs"/>
       </a:defRPr>
     </a:lvl8pPr>
-    <a:lvl9pPr marL="3657600" algn="l" defTabSz="457200" rtl="0" eaLnBrk="1" latinLnBrk="0" hangingPunct="1">
-      <a:defRPr sz="1800" kern="1200">
+    <a:lvl9pPr algn="l" defTabSz="457200" eaLnBrk="1" hangingPunct="1" latinLnBrk="0" marL="3657600" rtl="0">
+      <a:defRPr kern="1200" sz="1800">
         <a:solidFill>
           <a:schemeClr val="tx1"/>
         </a:solidFill>
@@ -104,6 +109,22 @@
       </a:defRPr>
     </a:lvl9pPr>
   </p:defaultTextStyle>
+  <p:extLst>
+    <p:ext uri="{EFAFB233-063F-42B5-8137-9DF3F51BA10A}">
+      <p15:sldGuideLst xmlns:p15="http://schemas.microsoft.com/office/powerpoint/2012/main">
+        <p15:guide id="1" orient="horz" pos="1620" userDrawn="1">
+          <p15:clr>
+            <a:srgbClr val="A4A3A4"/>
+          </p15:clr>
+        </p15:guide>
+        <p15:guide id="2" pos="2880" userDrawn="1">
+          <p15:clr>
+            <a:srgbClr val="A4A3A4"/>
+          </p15:clr>
+        </p15:guide>
+      </p15:sldGuideLst>
+    </p:ext>
+  </p:extLst>
 </p:presentation>
 </file>
 
@@ -136,8 +157,8 @@
         </p:nvSpPr>
         <p:spPr>
           <a:xfrm>
-            <a:off x="685800" y="2130425"/>
-            <a:ext cx="7772400" cy="1470025"/>
+            <a:off x="685800" y="1597819"/>
+            <a:ext cx="7772400" cy="1102519"/>
           </a:xfrm>
         </p:spPr>
         <p:txBody>
@@ -145,10 +166,9 @@
           <a:lstStyle/>
           <a:p>
             <a:r>
-              <a:rPr lang="en-US" smtClean="0"/>
+              <a:rPr lang="en-US"/>
               <a:t>Click to edit Master title style</a:t>
             </a:r>
-            <a:endParaRPr lang="en-US"/>
           </a:p>
         </p:txBody>
       </p:sp>
@@ -164,8 +184,8 @@
         </p:nvSpPr>
         <p:spPr>
           <a:xfrm>
-            <a:off x="1371600" y="3886200"/>
-            <a:ext cx="6400800" cy="1752600"/>
+            <a:off x="1371600" y="2914650"/>
+            <a:ext cx="6400800" cy="1314450"/>
           </a:xfrm>
         </p:spPr>
         <p:txBody>
@@ -181,7 +201,7 @@
                 </a:solidFill>
               </a:defRPr>
             </a:lvl1pPr>
-            <a:lvl2pPr marL="457200" indent="0" algn="ctr">
+            <a:lvl2pPr marL="342900" indent="0" algn="ctr">
               <a:buNone/>
               <a:defRPr>
                 <a:solidFill>
@@ -191,7 +211,7 @@
                 </a:solidFill>
               </a:defRPr>
             </a:lvl2pPr>
-            <a:lvl3pPr marL="914400" indent="0" algn="ctr">
+            <a:lvl3pPr marL="685800" indent="0" algn="ctr">
               <a:buNone/>
               <a:defRPr>
                 <a:solidFill>
@@ -201,7 +221,7 @@
                 </a:solidFill>
               </a:defRPr>
             </a:lvl3pPr>
-            <a:lvl4pPr marL="1371600" indent="0" algn="ctr">
+            <a:lvl4pPr marL="1028700" indent="0" algn="ctr">
               <a:buNone/>
               <a:defRPr>
                 <a:solidFill>
@@ -211,7 +231,7 @@
                 </a:solidFill>
               </a:defRPr>
             </a:lvl4pPr>
-            <a:lvl5pPr marL="1828800" indent="0" algn="ctr">
+            <a:lvl5pPr marL="1371600" indent="0" algn="ctr">
               <a:buNone/>
               <a:defRPr>
                 <a:solidFill>
@@ -221,7 +241,7 @@
                 </a:solidFill>
               </a:defRPr>
             </a:lvl5pPr>
-            <a:lvl6pPr marL="2286000" indent="0" algn="ctr">
+            <a:lvl6pPr marL="1714500" indent="0" algn="ctr">
               <a:buNone/>
               <a:defRPr>
                 <a:solidFill>
@@ -231,7 +251,7 @@
                 </a:solidFill>
               </a:defRPr>
             </a:lvl6pPr>
-            <a:lvl7pPr marL="2743200" indent="0" algn="ctr">
+            <a:lvl7pPr marL="2057400" indent="0" algn="ctr">
               <a:buNone/>
               <a:defRPr>
                 <a:solidFill>
@@ -241,7 +261,7 @@
                 </a:solidFill>
               </a:defRPr>
             </a:lvl7pPr>
-            <a:lvl8pPr marL="3200400" indent="0" algn="ctr">
+            <a:lvl8pPr marL="2400300" indent="0" algn="ctr">
               <a:buNone/>
               <a:defRPr>
                 <a:solidFill>
@@ -251,7 +271,7 @@
                 </a:solidFill>
               </a:defRPr>
             </a:lvl8pPr>
-            <a:lvl9pPr marL="3657600" indent="0" algn="ctr">
+            <a:lvl9pPr marL="2743200" indent="0" algn="ctr">
               <a:buNone/>
               <a:defRPr>
                 <a:solidFill>
@@ -264,31 +284,30 @@
           </a:lstStyle>
           <a:p>
             <a:r>
+              <a:rPr lang="en-US"/>
+              <a:t>Click to edit Master subtitle style</a:t>
+            </a:r>
+          </a:p>
+        </p:txBody>
+      </p:sp>
+      <p:sp>
+        <p:nvSpPr>
+          <p:cNvPr id="4" name="Date Placeholder 3"/>
+          <p:cNvSpPr>
+            <a:spLocks noGrp="1"/>
+          </p:cNvSpPr>
+          <p:nvPr>
+            <p:ph type="dt" sz="half" idx="10"/>
+          </p:nvPr>
+        </p:nvSpPr>
+        <p:spPr/>
+        <p:txBody>
+          <a:bodyPr/>
+          <a:lstStyle/>
+          <a:p>
+            <a:fld id="{241EB5C9-1307-BA42-ABA2-0BC069CD8E7F}" type="datetimeFigureOut">
               <a:rPr lang="en-US" smtClean="0"/>
-              <a:t>Click to edit Master subtitle style</a:t>
-            </a:r>
-            <a:endParaRPr lang="en-US"/>
-          </a:p>
-        </p:txBody>
-      </p:sp>
-      <p:sp>
-        <p:nvSpPr>
-          <p:cNvPr id="4" name="Date Placeholder 3"/>
-          <p:cNvSpPr>
-            <a:spLocks noGrp="1"/>
-          </p:cNvSpPr>
-          <p:nvPr>
-            <p:ph type="dt" sz="half" idx="10"/>
-          </p:nvPr>
-        </p:nvSpPr>
-        <p:spPr/>
-        <p:txBody>
-          <a:bodyPr/>
-          <a:lstStyle/>
-          <a:p>
-            <a:fld id="{5BCAD085-E8A6-8845-BD4E-CB4CCA059FC4}" type="datetimeFigureOut">
-              <a:rPr lang="en-US" smtClean="0"/>
-              <a:t>1/27/13</a:t>
+              <a:t>1/2/22</a:t>
             </a:fld>
             <a:endParaRPr lang="en-US"/>
           </a:p>
@@ -328,7 +347,7 @@
           <a:bodyPr/>
           <a:lstStyle/>
           <a:p>
-            <a:fld id="{C1FF6DA9-008F-8B48-92A6-B652298478BF}" type="slidenum">
+            <a:fld id="{C5EF2332-01BF-834F-8236-50238282D533}" type="slidenum">
               <a:rPr lang="en-US" smtClean="0"/>
               <a:t>‹#›</a:t>
             </a:fld>
@@ -339,7 +358,7 @@
     </p:spTree>
     <p:extLst>
       <p:ext uri="{BB962C8B-B14F-4D97-AF65-F5344CB8AC3E}">
-        <p14:creationId xmlns:p14="http://schemas.microsoft.com/office/powerpoint/2010/main" val="3168075583"/>
+        <p14:creationId xmlns:p14="http://schemas.microsoft.com/office/powerpoint/2010/main" val="1444357513"/>
       </p:ext>
     </p:extLst>
   </p:cSld>
@@ -382,83 +401,81 @@
           <a:lstStyle/>
           <a:p>
             <a:r>
+              <a:rPr lang="en-US"/>
+              <a:t>Click to edit Master title style</a:t>
+            </a:r>
+          </a:p>
+        </p:txBody>
+      </p:sp>
+      <p:sp>
+        <p:nvSpPr>
+          <p:cNvPr id="3" name="Vertical Text Placeholder 2"/>
+          <p:cNvSpPr>
+            <a:spLocks noGrp="1"/>
+          </p:cNvSpPr>
+          <p:nvPr>
+            <p:ph type="body" orient="vert" idx="1"/>
+          </p:nvPr>
+        </p:nvSpPr>
+        <p:spPr/>
+        <p:txBody>
+          <a:bodyPr vert="eaVert"/>
+          <a:lstStyle/>
+          <a:p>
+            <a:pPr lvl="0"/>
+            <a:r>
+              <a:rPr lang="en-US"/>
+              <a:t>Click to edit Master text styles</a:t>
+            </a:r>
+          </a:p>
+          <a:p>
+            <a:pPr lvl="1"/>
+            <a:r>
+              <a:rPr lang="en-US"/>
+              <a:t>Second level</a:t>
+            </a:r>
+          </a:p>
+          <a:p>
+            <a:pPr lvl="2"/>
+            <a:r>
+              <a:rPr lang="en-US"/>
+              <a:t>Third level</a:t>
+            </a:r>
+          </a:p>
+          <a:p>
+            <a:pPr lvl="3"/>
+            <a:r>
+              <a:rPr lang="en-US"/>
+              <a:t>Fourth level</a:t>
+            </a:r>
+          </a:p>
+          <a:p>
+            <a:pPr lvl="4"/>
+            <a:r>
+              <a:rPr lang="en-US"/>
+              <a:t>Fifth level</a:t>
+            </a:r>
+          </a:p>
+        </p:txBody>
+      </p:sp>
+      <p:sp>
+        <p:nvSpPr>
+          <p:cNvPr id="4" name="Date Placeholder 3"/>
+          <p:cNvSpPr>
+            <a:spLocks noGrp="1"/>
+          </p:cNvSpPr>
+          <p:nvPr>
+            <p:ph type="dt" sz="half" idx="10"/>
+          </p:nvPr>
+        </p:nvSpPr>
+        <p:spPr/>
+        <p:txBody>
+          <a:bodyPr/>
+          <a:lstStyle/>
+          <a:p>
+            <a:fld id="{241EB5C9-1307-BA42-ABA2-0BC069CD8E7F}" type="datetimeFigureOut">
               <a:rPr lang="en-US" smtClean="0"/>
-              <a:t>Click to edit Master title style</a:t>
-            </a:r>
-            <a:endParaRPr lang="en-US"/>
-          </a:p>
-        </p:txBody>
-      </p:sp>
-      <p:sp>
-        <p:nvSpPr>
-          <p:cNvPr id="3" name="Vertical Text Placeholder 2"/>
-          <p:cNvSpPr>
-            <a:spLocks noGrp="1"/>
-          </p:cNvSpPr>
-          <p:nvPr>
-            <p:ph type="body" orient="vert" idx="1"/>
-          </p:nvPr>
-        </p:nvSpPr>
-        <p:spPr/>
-        <p:txBody>
-          <a:bodyPr vert="eaVert"/>
-          <a:lstStyle/>
-          <a:p>
-            <a:pPr lvl="0"/>
-            <a:r>
-              <a:rPr lang="en-US" smtClean="0"/>
-              <a:t>Click to edit Master text styles</a:t>
-            </a:r>
-          </a:p>
-          <a:p>
-            <a:pPr lvl="1"/>
-            <a:r>
-              <a:rPr lang="en-US" smtClean="0"/>
-              <a:t>Second level</a:t>
-            </a:r>
-          </a:p>
-          <a:p>
-            <a:pPr lvl="2"/>
-            <a:r>
-              <a:rPr lang="en-US" smtClean="0"/>
-              <a:t>Third level</a:t>
-            </a:r>
-          </a:p>
-          <a:p>
-            <a:pPr lvl="3"/>
-            <a:r>
-              <a:rPr lang="en-US" smtClean="0"/>
-              <a:t>Fourth level</a:t>
-            </a:r>
-          </a:p>
-          <a:p>
-            <a:pPr lvl="4"/>
-            <a:r>
-              <a:rPr lang="en-US" smtClean="0"/>
-              <a:t>Fifth level</a:t>
-            </a:r>
-            <a:endParaRPr lang="en-US"/>
-          </a:p>
-        </p:txBody>
-      </p:sp>
-      <p:sp>
-        <p:nvSpPr>
-          <p:cNvPr id="4" name="Date Placeholder 3"/>
-          <p:cNvSpPr>
-            <a:spLocks noGrp="1"/>
-          </p:cNvSpPr>
-          <p:nvPr>
-            <p:ph type="dt" sz="half" idx="10"/>
-          </p:nvPr>
-        </p:nvSpPr>
-        <p:spPr/>
-        <p:txBody>
-          <a:bodyPr/>
-          <a:lstStyle/>
-          <a:p>
-            <a:fld id="{5BCAD085-E8A6-8845-BD4E-CB4CCA059FC4}" type="datetimeFigureOut">
-              <a:rPr lang="en-US" smtClean="0"/>
-              <a:t>1/27/13</a:t>
+              <a:t>1/2/22</a:t>
             </a:fld>
             <a:endParaRPr lang="en-US"/>
           </a:p>
@@ -498,7 +515,7 @@
           <a:bodyPr/>
           <a:lstStyle/>
           <a:p>
-            <a:fld id="{C1FF6DA9-008F-8B48-92A6-B652298478BF}" type="slidenum">
+            <a:fld id="{C5EF2332-01BF-834F-8236-50238282D533}" type="slidenum">
               <a:rPr lang="en-US" smtClean="0"/>
               <a:t>‹#›</a:t>
             </a:fld>
@@ -509,7 +526,7 @@
     </p:spTree>
     <p:extLst>
       <p:ext uri="{BB962C8B-B14F-4D97-AF65-F5344CB8AC3E}">
-        <p14:creationId xmlns:p14="http://schemas.microsoft.com/office/powerpoint/2010/main" val="2910927964"/>
+        <p14:creationId xmlns:p14="http://schemas.microsoft.com/office/powerpoint/2010/main" val="313914798"/>
       </p:ext>
     </p:extLst>
   </p:cSld>
@@ -548,8 +565,8 @@
         </p:nvSpPr>
         <p:spPr>
           <a:xfrm>
-            <a:off x="6629400" y="274638"/>
-            <a:ext cx="2057400" cy="5851525"/>
+            <a:off x="6629400" y="205979"/>
+            <a:ext cx="2057400" cy="4388644"/>
           </a:xfrm>
         </p:spPr>
         <p:txBody>
@@ -557,10 +574,9 @@
           <a:lstStyle/>
           <a:p>
             <a:r>
-              <a:rPr lang="en-US" smtClean="0"/>
+              <a:rPr lang="en-US"/>
               <a:t>Click to edit Master title style</a:t>
             </a:r>
-            <a:endParaRPr lang="en-US"/>
           </a:p>
         </p:txBody>
       </p:sp>
@@ -576,8 +592,8 @@
         </p:nvSpPr>
         <p:spPr>
           <a:xfrm>
-            <a:off x="457200" y="274638"/>
-            <a:ext cx="6019800" cy="5851525"/>
+            <a:off x="457200" y="205979"/>
+            <a:ext cx="6019800" cy="4388644"/>
           </a:xfrm>
         </p:spPr>
         <p:txBody>
@@ -586,59 +602,58 @@
           <a:p>
             <a:pPr lvl="0"/>
             <a:r>
+              <a:rPr lang="en-US"/>
+              <a:t>Click to edit Master text styles</a:t>
+            </a:r>
+          </a:p>
+          <a:p>
+            <a:pPr lvl="1"/>
+            <a:r>
+              <a:rPr lang="en-US"/>
+              <a:t>Second level</a:t>
+            </a:r>
+          </a:p>
+          <a:p>
+            <a:pPr lvl="2"/>
+            <a:r>
+              <a:rPr lang="en-US"/>
+              <a:t>Third level</a:t>
+            </a:r>
+          </a:p>
+          <a:p>
+            <a:pPr lvl="3"/>
+            <a:r>
+              <a:rPr lang="en-US"/>
+              <a:t>Fourth level</a:t>
+            </a:r>
+          </a:p>
+          <a:p>
+            <a:pPr lvl="4"/>
+            <a:r>
+              <a:rPr lang="en-US"/>
+              <a:t>Fifth level</a:t>
+            </a:r>
+          </a:p>
+        </p:txBody>
+      </p:sp>
+      <p:sp>
+        <p:nvSpPr>
+          <p:cNvPr id="4" name="Date Placeholder 3"/>
+          <p:cNvSpPr>
+            <a:spLocks noGrp="1"/>
+          </p:cNvSpPr>
+          <p:nvPr>
+            <p:ph type="dt" sz="half" idx="10"/>
+          </p:nvPr>
+        </p:nvSpPr>
+        <p:spPr/>
+        <p:txBody>
+          <a:bodyPr/>
+          <a:lstStyle/>
+          <a:p>
+            <a:fld id="{241EB5C9-1307-BA42-ABA2-0BC069CD8E7F}" type="datetimeFigureOut">
               <a:rPr lang="en-US" smtClean="0"/>
-              <a:t>Click to edit Master text styles</a:t>
-            </a:r>
-          </a:p>
-          <a:p>
-            <a:pPr lvl="1"/>
-            <a:r>
-              <a:rPr lang="en-US" smtClean="0"/>
-              <a:t>Second level</a:t>
-            </a:r>
-          </a:p>
-          <a:p>
-            <a:pPr lvl="2"/>
-            <a:r>
-              <a:rPr lang="en-US" smtClean="0"/>
-              <a:t>Third level</a:t>
-            </a:r>
-          </a:p>
-          <a:p>
-            <a:pPr lvl="3"/>
-            <a:r>
-              <a:rPr lang="en-US" smtClean="0"/>
-              <a:t>Fourth level</a:t>
-            </a:r>
-          </a:p>
-          <a:p>
-            <a:pPr lvl="4"/>
-            <a:r>
-              <a:rPr lang="en-US" smtClean="0"/>
-              <a:t>Fifth level</a:t>
-            </a:r>
-            <a:endParaRPr lang="en-US"/>
-          </a:p>
-        </p:txBody>
-      </p:sp>
-      <p:sp>
-        <p:nvSpPr>
-          <p:cNvPr id="4" name="Date Placeholder 3"/>
-          <p:cNvSpPr>
-            <a:spLocks noGrp="1"/>
-          </p:cNvSpPr>
-          <p:nvPr>
-            <p:ph type="dt" sz="half" idx="10"/>
-          </p:nvPr>
-        </p:nvSpPr>
-        <p:spPr/>
-        <p:txBody>
-          <a:bodyPr/>
-          <a:lstStyle/>
-          <a:p>
-            <a:fld id="{5BCAD085-E8A6-8845-BD4E-CB4CCA059FC4}" type="datetimeFigureOut">
-              <a:rPr lang="en-US" smtClean="0"/>
-              <a:t>1/27/13</a:t>
+              <a:t>1/2/22</a:t>
             </a:fld>
             <a:endParaRPr lang="en-US"/>
           </a:p>
@@ -678,7 +693,7 @@
           <a:bodyPr/>
           <a:lstStyle/>
           <a:p>
-            <a:fld id="{C1FF6DA9-008F-8B48-92A6-B652298478BF}" type="slidenum">
+            <a:fld id="{C5EF2332-01BF-834F-8236-50238282D533}" type="slidenum">
               <a:rPr lang="en-US" smtClean="0"/>
               <a:t>‹#›</a:t>
             </a:fld>
@@ -689,7 +704,7 @@
     </p:spTree>
     <p:extLst>
       <p:ext uri="{BB962C8B-B14F-4D97-AF65-F5344CB8AC3E}">
-        <p14:creationId xmlns:p14="http://schemas.microsoft.com/office/powerpoint/2010/main" val="3612223792"/>
+        <p14:creationId xmlns:p14="http://schemas.microsoft.com/office/powerpoint/2010/main" val="2581529045"/>
       </p:ext>
     </p:extLst>
   </p:cSld>
@@ -732,83 +747,81 @@
           <a:lstStyle/>
           <a:p>
             <a:r>
+              <a:rPr lang="en-US"/>
+              <a:t>Click to edit Master title style</a:t>
+            </a:r>
+          </a:p>
+        </p:txBody>
+      </p:sp>
+      <p:sp>
+        <p:nvSpPr>
+          <p:cNvPr id="3" name="Content Placeholder 2"/>
+          <p:cNvSpPr>
+            <a:spLocks noGrp="1"/>
+          </p:cNvSpPr>
+          <p:nvPr>
+            <p:ph idx="1"/>
+          </p:nvPr>
+        </p:nvSpPr>
+        <p:spPr/>
+        <p:txBody>
+          <a:bodyPr/>
+          <a:lstStyle/>
+          <a:p>
+            <a:pPr lvl="0"/>
+            <a:r>
+              <a:rPr lang="en-US"/>
+              <a:t>Click to edit Master text styles</a:t>
+            </a:r>
+          </a:p>
+          <a:p>
+            <a:pPr lvl="1"/>
+            <a:r>
+              <a:rPr lang="en-US"/>
+              <a:t>Second level</a:t>
+            </a:r>
+          </a:p>
+          <a:p>
+            <a:pPr lvl="2"/>
+            <a:r>
+              <a:rPr lang="en-US"/>
+              <a:t>Third level</a:t>
+            </a:r>
+          </a:p>
+          <a:p>
+            <a:pPr lvl="3"/>
+            <a:r>
+              <a:rPr lang="en-US"/>
+              <a:t>Fourth level</a:t>
+            </a:r>
+          </a:p>
+          <a:p>
+            <a:pPr lvl="4"/>
+            <a:r>
+              <a:rPr lang="en-US"/>
+              <a:t>Fifth level</a:t>
+            </a:r>
+          </a:p>
+        </p:txBody>
+      </p:sp>
+      <p:sp>
+        <p:nvSpPr>
+          <p:cNvPr id="4" name="Date Placeholder 3"/>
+          <p:cNvSpPr>
+            <a:spLocks noGrp="1"/>
+          </p:cNvSpPr>
+          <p:nvPr>
+            <p:ph type="dt" sz="half" idx="10"/>
+          </p:nvPr>
+        </p:nvSpPr>
+        <p:spPr/>
+        <p:txBody>
+          <a:bodyPr/>
+          <a:lstStyle/>
+          <a:p>
+            <a:fld id="{241EB5C9-1307-BA42-ABA2-0BC069CD8E7F}" type="datetimeFigureOut">
               <a:rPr lang="en-US" smtClean="0"/>
-              <a:t>Click to edit Master title style</a:t>
-            </a:r>
-            <a:endParaRPr lang="en-US"/>
-          </a:p>
-        </p:txBody>
-      </p:sp>
-      <p:sp>
-        <p:nvSpPr>
-          <p:cNvPr id="3" name="Content Placeholder 2"/>
-          <p:cNvSpPr>
-            <a:spLocks noGrp="1"/>
-          </p:cNvSpPr>
-          <p:nvPr>
-            <p:ph idx="1"/>
-          </p:nvPr>
-        </p:nvSpPr>
-        <p:spPr/>
-        <p:txBody>
-          <a:bodyPr/>
-          <a:lstStyle/>
-          <a:p>
-            <a:pPr lvl="0"/>
-            <a:r>
-              <a:rPr lang="en-US" smtClean="0"/>
-              <a:t>Click to edit Master text styles</a:t>
-            </a:r>
-          </a:p>
-          <a:p>
-            <a:pPr lvl="1"/>
-            <a:r>
-              <a:rPr lang="en-US" smtClean="0"/>
-              <a:t>Second level</a:t>
-            </a:r>
-          </a:p>
-          <a:p>
-            <a:pPr lvl="2"/>
-            <a:r>
-              <a:rPr lang="en-US" smtClean="0"/>
-              <a:t>Third level</a:t>
-            </a:r>
-          </a:p>
-          <a:p>
-            <a:pPr lvl="3"/>
-            <a:r>
-              <a:rPr lang="en-US" smtClean="0"/>
-              <a:t>Fourth level</a:t>
-            </a:r>
-          </a:p>
-          <a:p>
-            <a:pPr lvl="4"/>
-            <a:r>
-              <a:rPr lang="en-US" smtClean="0"/>
-              <a:t>Fifth level</a:t>
-            </a:r>
-            <a:endParaRPr lang="en-US"/>
-          </a:p>
-        </p:txBody>
-      </p:sp>
-      <p:sp>
-        <p:nvSpPr>
-          <p:cNvPr id="4" name="Date Placeholder 3"/>
-          <p:cNvSpPr>
-            <a:spLocks noGrp="1"/>
-          </p:cNvSpPr>
-          <p:nvPr>
-            <p:ph type="dt" sz="half" idx="10"/>
-          </p:nvPr>
-        </p:nvSpPr>
-        <p:spPr/>
-        <p:txBody>
-          <a:bodyPr/>
-          <a:lstStyle/>
-          <a:p>
-            <a:fld id="{5BCAD085-E8A6-8845-BD4E-CB4CCA059FC4}" type="datetimeFigureOut">
-              <a:rPr lang="en-US" smtClean="0"/>
-              <a:t>1/27/13</a:t>
+              <a:t>1/2/22</a:t>
             </a:fld>
             <a:endParaRPr lang="en-US"/>
           </a:p>
@@ -848,7 +861,7 @@
           <a:bodyPr/>
           <a:lstStyle/>
           <a:p>
-            <a:fld id="{C1FF6DA9-008F-8B48-92A6-B652298478BF}" type="slidenum">
+            <a:fld id="{C5EF2332-01BF-834F-8236-50238282D533}" type="slidenum">
               <a:rPr lang="en-US" smtClean="0"/>
               <a:t>‹#›</a:t>
             </a:fld>
@@ -859,7 +872,7 @@
     </p:spTree>
     <p:extLst>
       <p:ext uri="{BB962C8B-B14F-4D97-AF65-F5344CB8AC3E}">
-        <p14:creationId xmlns:p14="http://schemas.microsoft.com/office/powerpoint/2010/main" val="2614314258"/>
+        <p14:creationId xmlns:p14="http://schemas.microsoft.com/office/powerpoint/2010/main" val="338346009"/>
       </p:ext>
     </p:extLst>
   </p:cSld>
@@ -898,23 +911,22 @@
         </p:nvSpPr>
         <p:spPr>
           <a:xfrm>
-            <a:off x="722313" y="4406900"/>
-            <a:ext cx="7772400" cy="1362075"/>
+            <a:off x="722313" y="3305176"/>
+            <a:ext cx="7772400" cy="1021556"/>
           </a:xfrm>
         </p:spPr>
         <p:txBody>
           <a:bodyPr anchor="t"/>
           <a:lstStyle>
             <a:lvl1pPr algn="l">
-              <a:defRPr sz="4000" b="1" cap="all"/>
+              <a:defRPr sz="3000" b="1" cap="all"/>
             </a:lvl1pPr>
           </a:lstStyle>
           <a:p>
             <a:r>
-              <a:rPr lang="en-US" smtClean="0"/>
+              <a:rPr lang="en-US"/>
               <a:t>Click to edit Master title style</a:t>
             </a:r>
-            <a:endParaRPr lang="en-US"/>
           </a:p>
         </p:txBody>
       </p:sp>
@@ -930,8 +942,8 @@
         </p:nvSpPr>
         <p:spPr>
           <a:xfrm>
-            <a:off x="722313" y="2906713"/>
-            <a:ext cx="7772400" cy="1500187"/>
+            <a:off x="722313" y="2180035"/>
+            <a:ext cx="7772400" cy="1125140"/>
           </a:xfrm>
         </p:spPr>
         <p:txBody>
@@ -939,7 +951,7 @@
           <a:lstStyle>
             <a:lvl1pPr marL="0" indent="0">
               <a:buNone/>
-              <a:defRPr sz="2000">
+              <a:defRPr sz="1500">
                 <a:solidFill>
                   <a:schemeClr val="tx1">
                     <a:tint val="75000"/>
@@ -947,9 +959,9 @@
                 </a:solidFill>
               </a:defRPr>
             </a:lvl1pPr>
-            <a:lvl2pPr marL="457200" indent="0">
-              <a:buNone/>
-              <a:defRPr sz="1800">
+            <a:lvl2pPr marL="342900" indent="0">
+              <a:buNone/>
+              <a:defRPr sz="1350">
                 <a:solidFill>
                   <a:schemeClr val="tx1">
                     <a:tint val="75000"/>
@@ -957,9 +969,9 @@
                 </a:solidFill>
               </a:defRPr>
             </a:lvl2pPr>
-            <a:lvl3pPr marL="914400" indent="0">
-              <a:buNone/>
-              <a:defRPr sz="1600">
+            <a:lvl3pPr marL="685800" indent="0">
+              <a:buNone/>
+              <a:defRPr sz="1200">
                 <a:solidFill>
                   <a:schemeClr val="tx1">
                     <a:tint val="75000"/>
@@ -967,9 +979,9 @@
                 </a:solidFill>
               </a:defRPr>
             </a:lvl3pPr>
-            <a:lvl4pPr marL="1371600" indent="0">
-              <a:buNone/>
-              <a:defRPr sz="1400">
+            <a:lvl4pPr marL="1028700" indent="0">
+              <a:buNone/>
+              <a:defRPr sz="1050">
                 <a:solidFill>
                   <a:schemeClr val="tx1">
                     <a:tint val="75000"/>
@@ -977,9 +989,9 @@
                 </a:solidFill>
               </a:defRPr>
             </a:lvl4pPr>
-            <a:lvl5pPr marL="1828800" indent="0">
-              <a:buNone/>
-              <a:defRPr sz="1400">
+            <a:lvl5pPr marL="1371600" indent="0">
+              <a:buNone/>
+              <a:defRPr sz="1050">
                 <a:solidFill>
                   <a:schemeClr val="tx1">
                     <a:tint val="75000"/>
@@ -987,9 +999,9 @@
                 </a:solidFill>
               </a:defRPr>
             </a:lvl5pPr>
-            <a:lvl6pPr marL="2286000" indent="0">
-              <a:buNone/>
-              <a:defRPr sz="1400">
+            <a:lvl6pPr marL="1714500" indent="0">
+              <a:buNone/>
+              <a:defRPr sz="1050">
                 <a:solidFill>
                   <a:schemeClr val="tx1">
                     <a:tint val="75000"/>
@@ -997,9 +1009,9 @@
                 </a:solidFill>
               </a:defRPr>
             </a:lvl6pPr>
-            <a:lvl7pPr marL="2743200" indent="0">
-              <a:buNone/>
-              <a:defRPr sz="1400">
+            <a:lvl7pPr marL="2057400" indent="0">
+              <a:buNone/>
+              <a:defRPr sz="1050">
                 <a:solidFill>
                   <a:schemeClr val="tx1">
                     <a:tint val="75000"/>
@@ -1007,9 +1019,9 @@
                 </a:solidFill>
               </a:defRPr>
             </a:lvl7pPr>
-            <a:lvl8pPr marL="3200400" indent="0">
-              <a:buNone/>
-              <a:defRPr sz="1400">
+            <a:lvl8pPr marL="2400300" indent="0">
+              <a:buNone/>
+              <a:defRPr sz="1050">
                 <a:solidFill>
                   <a:schemeClr val="tx1">
                     <a:tint val="75000"/>
@@ -1017,9 +1029,9 @@
                 </a:solidFill>
               </a:defRPr>
             </a:lvl8pPr>
-            <a:lvl9pPr marL="3657600" indent="0">
-              <a:buNone/>
-              <a:defRPr sz="1400">
+            <a:lvl9pPr marL="2743200" indent="0">
+              <a:buNone/>
+              <a:defRPr sz="1050">
                 <a:solidFill>
                   <a:schemeClr val="tx1">
                     <a:tint val="75000"/>
@@ -1031,30 +1043,30 @@
           <a:p>
             <a:pPr lvl="0"/>
             <a:r>
+              <a:rPr lang="en-US"/>
+              <a:t>Click to edit Master text styles</a:t>
+            </a:r>
+          </a:p>
+        </p:txBody>
+      </p:sp>
+      <p:sp>
+        <p:nvSpPr>
+          <p:cNvPr id="4" name="Date Placeholder 3"/>
+          <p:cNvSpPr>
+            <a:spLocks noGrp="1"/>
+          </p:cNvSpPr>
+          <p:nvPr>
+            <p:ph type="dt" sz="half" idx="10"/>
+          </p:nvPr>
+        </p:nvSpPr>
+        <p:spPr/>
+        <p:txBody>
+          <a:bodyPr/>
+          <a:lstStyle/>
+          <a:p>
+            <a:fld id="{241EB5C9-1307-BA42-ABA2-0BC069CD8E7F}" type="datetimeFigureOut">
               <a:rPr lang="en-US" smtClean="0"/>
-              <a:t>Click to edit Master text styles</a:t>
-            </a:r>
-          </a:p>
-        </p:txBody>
-      </p:sp>
-      <p:sp>
-        <p:nvSpPr>
-          <p:cNvPr id="4" name="Date Placeholder 3"/>
-          <p:cNvSpPr>
-            <a:spLocks noGrp="1"/>
-          </p:cNvSpPr>
-          <p:nvPr>
-            <p:ph type="dt" sz="half" idx="10"/>
-          </p:nvPr>
-        </p:nvSpPr>
-        <p:spPr/>
-        <p:txBody>
-          <a:bodyPr/>
-          <a:lstStyle/>
-          <a:p>
-            <a:fld id="{5BCAD085-E8A6-8845-BD4E-CB4CCA059FC4}" type="datetimeFigureOut">
-              <a:rPr lang="en-US" smtClean="0"/>
-              <a:t>1/27/13</a:t>
+              <a:t>1/2/22</a:t>
             </a:fld>
             <a:endParaRPr lang="en-US"/>
           </a:p>
@@ -1094,7 +1106,7 @@
           <a:bodyPr/>
           <a:lstStyle/>
           <a:p>
-            <a:fld id="{C1FF6DA9-008F-8B48-92A6-B652298478BF}" type="slidenum">
+            <a:fld id="{C5EF2332-01BF-834F-8236-50238282D533}" type="slidenum">
               <a:rPr lang="en-US" smtClean="0"/>
               <a:t>‹#›</a:t>
             </a:fld>
@@ -1105,7 +1117,7 @@
     </p:spTree>
     <p:extLst>
       <p:ext uri="{BB962C8B-B14F-4D97-AF65-F5344CB8AC3E}">
-        <p14:creationId xmlns:p14="http://schemas.microsoft.com/office/powerpoint/2010/main" val="960648375"/>
+        <p14:creationId xmlns:p14="http://schemas.microsoft.com/office/powerpoint/2010/main" val="1073069076"/>
       </p:ext>
     </p:extLst>
   </p:cSld>
@@ -1148,10 +1160,9 @@
           <a:lstStyle/>
           <a:p>
             <a:r>
-              <a:rPr lang="en-US" smtClean="0"/>
+              <a:rPr lang="en-US"/>
               <a:t>Click to edit Master title style</a:t>
             </a:r>
-            <a:endParaRPr lang="en-US"/>
           </a:p>
         </p:txBody>
       </p:sp>
@@ -1167,76 +1178,75 @@
         </p:nvSpPr>
         <p:spPr>
           <a:xfrm>
-            <a:off x="457200" y="1600200"/>
-            <a:ext cx="4038600" cy="4525963"/>
+            <a:off x="457200" y="1200151"/>
+            <a:ext cx="4038600" cy="3394472"/>
           </a:xfrm>
         </p:spPr>
         <p:txBody>
           <a:bodyPr/>
           <a:lstStyle>
             <a:lvl1pPr>
-              <a:defRPr sz="2800"/>
+              <a:defRPr sz="2100"/>
             </a:lvl1pPr>
             <a:lvl2pPr>
-              <a:defRPr sz="2400"/>
+              <a:defRPr sz="1800"/>
             </a:lvl2pPr>
             <a:lvl3pPr>
-              <a:defRPr sz="2000"/>
+              <a:defRPr sz="1500"/>
             </a:lvl3pPr>
             <a:lvl4pPr>
-              <a:defRPr sz="1800"/>
+              <a:defRPr sz="1350"/>
             </a:lvl4pPr>
             <a:lvl5pPr>
-              <a:defRPr sz="1800"/>
+              <a:defRPr sz="1350"/>
             </a:lvl5pPr>
             <a:lvl6pPr>
-              <a:defRPr sz="1800"/>
+              <a:defRPr sz="1350"/>
             </a:lvl6pPr>
             <a:lvl7pPr>
-              <a:defRPr sz="1800"/>
+              <a:defRPr sz="1350"/>
             </a:lvl7pPr>
             <a:lvl8pPr>
-              <a:defRPr sz="1800"/>
+              <a:defRPr sz="1350"/>
             </a:lvl8pPr>
             <a:lvl9pPr>
-              <a:defRPr sz="1800"/>
+              <a:defRPr sz="1350"/>
             </a:lvl9pPr>
           </a:lstStyle>
           <a:p>
             <a:pPr lvl="0"/>
             <a:r>
-              <a:rPr lang="en-US" smtClean="0"/>
+              <a:rPr lang="en-US"/>
               <a:t>Click to edit Master text styles</a:t>
             </a:r>
           </a:p>
           <a:p>
             <a:pPr lvl="1"/>
             <a:r>
-              <a:rPr lang="en-US" smtClean="0"/>
+              <a:rPr lang="en-US"/>
               <a:t>Second level</a:t>
             </a:r>
           </a:p>
           <a:p>
             <a:pPr lvl="2"/>
             <a:r>
-              <a:rPr lang="en-US" smtClean="0"/>
+              <a:rPr lang="en-US"/>
               <a:t>Third level</a:t>
             </a:r>
           </a:p>
           <a:p>
             <a:pPr lvl="3"/>
             <a:r>
-              <a:rPr lang="en-US" smtClean="0"/>
+              <a:rPr lang="en-US"/>
               <a:t>Fourth level</a:t>
             </a:r>
           </a:p>
           <a:p>
             <a:pPr lvl="4"/>
             <a:r>
-              <a:rPr lang="en-US" smtClean="0"/>
+              <a:rPr lang="en-US"/>
               <a:t>Fifth level</a:t>
             </a:r>
-            <a:endParaRPr lang="en-US"/>
           </a:p>
         </p:txBody>
       </p:sp>
@@ -1252,97 +1262,96 @@
         </p:nvSpPr>
         <p:spPr>
           <a:xfrm>
-            <a:off x="4648200" y="1600200"/>
-            <a:ext cx="4038600" cy="4525963"/>
+            <a:off x="4648200" y="1200151"/>
+            <a:ext cx="4038600" cy="3394472"/>
           </a:xfrm>
         </p:spPr>
         <p:txBody>
           <a:bodyPr/>
           <a:lstStyle>
             <a:lvl1pPr>
-              <a:defRPr sz="2800"/>
+              <a:defRPr sz="2100"/>
             </a:lvl1pPr>
             <a:lvl2pPr>
-              <a:defRPr sz="2400"/>
+              <a:defRPr sz="1800"/>
             </a:lvl2pPr>
             <a:lvl3pPr>
-              <a:defRPr sz="2000"/>
+              <a:defRPr sz="1500"/>
             </a:lvl3pPr>
             <a:lvl4pPr>
-              <a:defRPr sz="1800"/>
+              <a:defRPr sz="1350"/>
             </a:lvl4pPr>
             <a:lvl5pPr>
-              <a:defRPr sz="1800"/>
+              <a:defRPr sz="1350"/>
             </a:lvl5pPr>
             <a:lvl6pPr>
-              <a:defRPr sz="1800"/>
+              <a:defRPr sz="1350"/>
             </a:lvl6pPr>
             <a:lvl7pPr>
-              <a:defRPr sz="1800"/>
+              <a:defRPr sz="1350"/>
             </a:lvl7pPr>
             <a:lvl8pPr>
-              <a:defRPr sz="1800"/>
+              <a:defRPr sz="1350"/>
             </a:lvl8pPr>
             <a:lvl9pPr>
-              <a:defRPr sz="1800"/>
+              <a:defRPr sz="1350"/>
             </a:lvl9pPr>
           </a:lstStyle>
           <a:p>
             <a:pPr lvl="0"/>
             <a:r>
+              <a:rPr lang="en-US"/>
+              <a:t>Click to edit Master text styles</a:t>
+            </a:r>
+          </a:p>
+          <a:p>
+            <a:pPr lvl="1"/>
+            <a:r>
+              <a:rPr lang="en-US"/>
+              <a:t>Second level</a:t>
+            </a:r>
+          </a:p>
+          <a:p>
+            <a:pPr lvl="2"/>
+            <a:r>
+              <a:rPr lang="en-US"/>
+              <a:t>Third level</a:t>
+            </a:r>
+          </a:p>
+          <a:p>
+            <a:pPr lvl="3"/>
+            <a:r>
+              <a:rPr lang="en-US"/>
+              <a:t>Fourth level</a:t>
+            </a:r>
+          </a:p>
+          <a:p>
+            <a:pPr lvl="4"/>
+            <a:r>
+              <a:rPr lang="en-US"/>
+              <a:t>Fifth level</a:t>
+            </a:r>
+          </a:p>
+        </p:txBody>
+      </p:sp>
+      <p:sp>
+        <p:nvSpPr>
+          <p:cNvPr id="5" name="Date Placeholder 4"/>
+          <p:cNvSpPr>
+            <a:spLocks noGrp="1"/>
+          </p:cNvSpPr>
+          <p:nvPr>
+            <p:ph type="dt" sz="half" idx="10"/>
+          </p:nvPr>
+        </p:nvSpPr>
+        <p:spPr/>
+        <p:txBody>
+          <a:bodyPr/>
+          <a:lstStyle/>
+          <a:p>
+            <a:fld id="{241EB5C9-1307-BA42-ABA2-0BC069CD8E7F}" type="datetimeFigureOut">
               <a:rPr lang="en-US" smtClean="0"/>
-              <a:t>Click to edit Master text styles</a:t>
-            </a:r>
-          </a:p>
-          <a:p>
-            <a:pPr lvl="1"/>
-            <a:r>
-              <a:rPr lang="en-US" smtClean="0"/>
-              <a:t>Second level</a:t>
-            </a:r>
-          </a:p>
-          <a:p>
-            <a:pPr lvl="2"/>
-            <a:r>
-              <a:rPr lang="en-US" smtClean="0"/>
-              <a:t>Third level</a:t>
-            </a:r>
-          </a:p>
-          <a:p>
-            <a:pPr lvl="3"/>
-            <a:r>
-              <a:rPr lang="en-US" smtClean="0"/>
-              <a:t>Fourth level</a:t>
-            </a:r>
-          </a:p>
-          <a:p>
-            <a:pPr lvl="4"/>
-            <a:r>
-              <a:rPr lang="en-US" smtClean="0"/>
-              <a:t>Fifth level</a:t>
-            </a:r>
-            <a:endParaRPr lang="en-US"/>
-          </a:p>
-        </p:txBody>
-      </p:sp>
-      <p:sp>
-        <p:nvSpPr>
-          <p:cNvPr id="5" name="Date Placeholder 4"/>
-          <p:cNvSpPr>
-            <a:spLocks noGrp="1"/>
-          </p:cNvSpPr>
-          <p:nvPr>
-            <p:ph type="dt" sz="half" idx="10"/>
-          </p:nvPr>
-        </p:nvSpPr>
-        <p:spPr/>
-        <p:txBody>
-          <a:bodyPr/>
-          <a:lstStyle/>
-          <a:p>
-            <a:fld id="{5BCAD085-E8A6-8845-BD4E-CB4CCA059FC4}" type="datetimeFigureOut">
-              <a:rPr lang="en-US" smtClean="0"/>
-              <a:t>1/27/13</a:t>
+              <a:t>1/2/22</a:t>
             </a:fld>
             <a:endParaRPr lang="en-US"/>
           </a:p>
@@ -1382,7 +1391,7 @@
           <a:bodyPr/>
           <a:lstStyle/>
           <a:p>
-            <a:fld id="{C1FF6DA9-008F-8B48-92A6-B652298478BF}" type="slidenum">
+            <a:fld id="{C5EF2332-01BF-834F-8236-50238282D533}" type="slidenum">
               <a:rPr lang="en-US" smtClean="0"/>
               <a:t>‹#›</a:t>
             </a:fld>
@@ -1393,7 +1402,7 @@
     </p:spTree>
     <p:extLst>
       <p:ext uri="{BB962C8B-B14F-4D97-AF65-F5344CB8AC3E}">
-        <p14:creationId xmlns:p14="http://schemas.microsoft.com/office/powerpoint/2010/main" val="2782244947"/>
+        <p14:creationId xmlns:p14="http://schemas.microsoft.com/office/powerpoint/2010/main" val="2619886245"/>
       </p:ext>
     </p:extLst>
   </p:cSld>
@@ -1440,10 +1449,9 @@
           </a:lstStyle>
           <a:p>
             <a:r>
-              <a:rPr lang="en-US" smtClean="0"/>
+              <a:rPr lang="en-US"/>
               <a:t>Click to edit Master title style</a:t>
             </a:r>
-            <a:endParaRPr lang="en-US"/>
           </a:p>
         </p:txBody>
       </p:sp>
@@ -1459,8 +1467,8 @@
         </p:nvSpPr>
         <p:spPr>
           <a:xfrm>
-            <a:off x="457200" y="1535113"/>
-            <a:ext cx="4040188" cy="639762"/>
+            <a:off x="457200" y="1151335"/>
+            <a:ext cx="4040188" cy="479822"/>
           </a:xfrm>
         </p:spPr>
         <p:txBody>
@@ -1468,45 +1476,45 @@
           <a:lstStyle>
             <a:lvl1pPr marL="0" indent="0">
               <a:buNone/>
-              <a:defRPr sz="2400" b="1"/>
+              <a:defRPr sz="1800" b="1"/>
             </a:lvl1pPr>
-            <a:lvl2pPr marL="457200" indent="0">
-              <a:buNone/>
-              <a:defRPr sz="2000" b="1"/>
+            <a:lvl2pPr marL="342900" indent="0">
+              <a:buNone/>
+              <a:defRPr sz="1500" b="1"/>
             </a:lvl2pPr>
-            <a:lvl3pPr marL="914400" indent="0">
-              <a:buNone/>
-              <a:defRPr sz="1800" b="1"/>
+            <a:lvl3pPr marL="685800" indent="0">
+              <a:buNone/>
+              <a:defRPr sz="1350" b="1"/>
             </a:lvl3pPr>
-            <a:lvl4pPr marL="1371600" indent="0">
-              <a:buNone/>
-              <a:defRPr sz="1600" b="1"/>
+            <a:lvl4pPr marL="1028700" indent="0">
+              <a:buNone/>
+              <a:defRPr sz="1200" b="1"/>
             </a:lvl4pPr>
-            <a:lvl5pPr marL="1828800" indent="0">
-              <a:buNone/>
-              <a:defRPr sz="1600" b="1"/>
+            <a:lvl5pPr marL="1371600" indent="0">
+              <a:buNone/>
+              <a:defRPr sz="1200" b="1"/>
             </a:lvl5pPr>
-            <a:lvl6pPr marL="2286000" indent="0">
-              <a:buNone/>
-              <a:defRPr sz="1600" b="1"/>
+            <a:lvl6pPr marL="1714500" indent="0">
+              <a:buNone/>
+              <a:defRPr sz="1200" b="1"/>
             </a:lvl6pPr>
-            <a:lvl7pPr marL="2743200" indent="0">
-              <a:buNone/>
-              <a:defRPr sz="1600" b="1"/>
+            <a:lvl7pPr marL="2057400" indent="0">
+              <a:buNone/>
+              <a:defRPr sz="1200" b="1"/>
             </a:lvl7pPr>
-            <a:lvl8pPr marL="3200400" indent="0">
-              <a:buNone/>
-              <a:defRPr sz="1600" b="1"/>
+            <a:lvl8pPr marL="2400300" indent="0">
+              <a:buNone/>
+              <a:defRPr sz="1200" b="1"/>
             </a:lvl8pPr>
-            <a:lvl9pPr marL="3657600" indent="0">
-              <a:buNone/>
-              <a:defRPr sz="1600" b="1"/>
+            <a:lvl9pPr marL="2743200" indent="0">
+              <a:buNone/>
+              <a:defRPr sz="1200" b="1"/>
             </a:lvl9pPr>
           </a:lstStyle>
           <a:p>
             <a:pPr lvl="0"/>
             <a:r>
-              <a:rPr lang="en-US" smtClean="0"/>
+              <a:rPr lang="en-US"/>
               <a:t>Click to edit Master text styles</a:t>
             </a:r>
           </a:p>
@@ -1524,76 +1532,75 @@
         </p:nvSpPr>
         <p:spPr>
           <a:xfrm>
-            <a:off x="457200" y="2174875"/>
-            <a:ext cx="4040188" cy="3951288"/>
+            <a:off x="457200" y="1631156"/>
+            <a:ext cx="4040188" cy="2963466"/>
           </a:xfrm>
         </p:spPr>
         <p:txBody>
           <a:bodyPr/>
           <a:lstStyle>
             <a:lvl1pPr>
-              <a:defRPr sz="2400"/>
+              <a:defRPr sz="1800"/>
             </a:lvl1pPr>
             <a:lvl2pPr>
-              <a:defRPr sz="2000"/>
+              <a:defRPr sz="1500"/>
             </a:lvl2pPr>
             <a:lvl3pPr>
-              <a:defRPr sz="1800"/>
+              <a:defRPr sz="1350"/>
             </a:lvl3pPr>
             <a:lvl4pPr>
-              <a:defRPr sz="1600"/>
+              <a:defRPr sz="1200"/>
             </a:lvl4pPr>
             <a:lvl5pPr>
-              <a:defRPr sz="1600"/>
+              <a:defRPr sz="1200"/>
             </a:lvl5pPr>
             <a:lvl6pPr>
-              <a:defRPr sz="1600"/>
+              <a:defRPr sz="1200"/>
             </a:lvl6pPr>
             <a:lvl7pPr>
-              <a:defRPr sz="1600"/>
+              <a:defRPr sz="1200"/>
             </a:lvl7pPr>
             <a:lvl8pPr>
-              <a:defRPr sz="1600"/>
+              <a:defRPr sz="1200"/>
             </a:lvl8pPr>
             <a:lvl9pPr>
-              <a:defRPr sz="1600"/>
+              <a:defRPr sz="1200"/>
             </a:lvl9pPr>
           </a:lstStyle>
           <a:p>
             <a:pPr lvl="0"/>
             <a:r>
-              <a:rPr lang="en-US" smtClean="0"/>
+              <a:rPr lang="en-US"/>
               <a:t>Click to edit Master text styles</a:t>
             </a:r>
           </a:p>
           <a:p>
             <a:pPr lvl="1"/>
             <a:r>
-              <a:rPr lang="en-US" smtClean="0"/>
+              <a:rPr lang="en-US"/>
               <a:t>Second level</a:t>
             </a:r>
           </a:p>
           <a:p>
             <a:pPr lvl="2"/>
             <a:r>
-              <a:rPr lang="en-US" smtClean="0"/>
+              <a:rPr lang="en-US"/>
               <a:t>Third level</a:t>
             </a:r>
           </a:p>
           <a:p>
             <a:pPr lvl="3"/>
             <a:r>
-              <a:rPr lang="en-US" smtClean="0"/>
+              <a:rPr lang="en-US"/>
               <a:t>Fourth level</a:t>
             </a:r>
           </a:p>
           <a:p>
             <a:pPr lvl="4"/>
             <a:r>
-              <a:rPr lang="en-US" smtClean="0"/>
+              <a:rPr lang="en-US"/>
               <a:t>Fifth level</a:t>
             </a:r>
-            <a:endParaRPr lang="en-US"/>
           </a:p>
         </p:txBody>
       </p:sp>
@@ -1609,8 +1616,8 @@
         </p:nvSpPr>
         <p:spPr>
           <a:xfrm>
-            <a:off x="4645025" y="1535113"/>
-            <a:ext cx="4041775" cy="639762"/>
+            <a:off x="4645026" y="1151335"/>
+            <a:ext cx="4041775" cy="479822"/>
           </a:xfrm>
         </p:spPr>
         <p:txBody>
@@ -1618,45 +1625,45 @@
           <a:lstStyle>
             <a:lvl1pPr marL="0" indent="0">
               <a:buNone/>
-              <a:defRPr sz="2400" b="1"/>
+              <a:defRPr sz="1800" b="1"/>
             </a:lvl1pPr>
-            <a:lvl2pPr marL="457200" indent="0">
-              <a:buNone/>
-              <a:defRPr sz="2000" b="1"/>
+            <a:lvl2pPr marL="342900" indent="0">
+              <a:buNone/>
+              <a:defRPr sz="1500" b="1"/>
             </a:lvl2pPr>
-            <a:lvl3pPr marL="914400" indent="0">
-              <a:buNone/>
-              <a:defRPr sz="1800" b="1"/>
+            <a:lvl3pPr marL="685800" indent="0">
+              <a:buNone/>
+              <a:defRPr sz="1350" b="1"/>
             </a:lvl3pPr>
-            <a:lvl4pPr marL="1371600" indent="0">
-              <a:buNone/>
-              <a:defRPr sz="1600" b="1"/>
+            <a:lvl4pPr marL="1028700" indent="0">
+              <a:buNone/>
+              <a:defRPr sz="1200" b="1"/>
             </a:lvl4pPr>
-            <a:lvl5pPr marL="1828800" indent="0">
-              <a:buNone/>
-              <a:defRPr sz="1600" b="1"/>
+            <a:lvl5pPr marL="1371600" indent="0">
+              <a:buNone/>
+              <a:defRPr sz="1200" b="1"/>
             </a:lvl5pPr>
-            <a:lvl6pPr marL="2286000" indent="0">
-              <a:buNone/>
-              <a:defRPr sz="1600" b="1"/>
+            <a:lvl6pPr marL="1714500" indent="0">
+              <a:buNone/>
+              <a:defRPr sz="1200" b="1"/>
             </a:lvl6pPr>
-            <a:lvl7pPr marL="2743200" indent="0">
-              <a:buNone/>
-              <a:defRPr sz="1600" b="1"/>
+            <a:lvl7pPr marL="2057400" indent="0">
+              <a:buNone/>
+              <a:defRPr sz="1200" b="1"/>
             </a:lvl7pPr>
-            <a:lvl8pPr marL="3200400" indent="0">
-              <a:buNone/>
-              <a:defRPr sz="1600" b="1"/>
+            <a:lvl8pPr marL="2400300" indent="0">
+              <a:buNone/>
+              <a:defRPr sz="1200" b="1"/>
             </a:lvl8pPr>
-            <a:lvl9pPr marL="3657600" indent="0">
-              <a:buNone/>
-              <a:defRPr sz="1600" b="1"/>
+            <a:lvl9pPr marL="2743200" indent="0">
+              <a:buNone/>
+              <a:defRPr sz="1200" b="1"/>
             </a:lvl9pPr>
           </a:lstStyle>
           <a:p>
             <a:pPr lvl="0"/>
             <a:r>
-              <a:rPr lang="en-US" smtClean="0"/>
+              <a:rPr lang="en-US"/>
               <a:t>Click to edit Master text styles</a:t>
             </a:r>
           </a:p>
@@ -1674,97 +1681,96 @@
         </p:nvSpPr>
         <p:spPr>
           <a:xfrm>
-            <a:off x="4645025" y="2174875"/>
-            <a:ext cx="4041775" cy="3951288"/>
+            <a:off x="4645026" y="1631156"/>
+            <a:ext cx="4041775" cy="2963466"/>
           </a:xfrm>
         </p:spPr>
         <p:txBody>
           <a:bodyPr/>
           <a:lstStyle>
             <a:lvl1pPr>
-              <a:defRPr sz="2400"/>
+              <a:defRPr sz="1800"/>
             </a:lvl1pPr>
             <a:lvl2pPr>
-              <a:defRPr sz="2000"/>
+              <a:defRPr sz="1500"/>
             </a:lvl2pPr>
             <a:lvl3pPr>
-              <a:defRPr sz="1800"/>
+              <a:defRPr sz="1350"/>
             </a:lvl3pPr>
             <a:lvl4pPr>
-              <a:defRPr sz="1600"/>
+              <a:defRPr sz="1200"/>
             </a:lvl4pPr>
             <a:lvl5pPr>
-              <a:defRPr sz="1600"/>
+              <a:defRPr sz="1200"/>
             </a:lvl5pPr>
             <a:lvl6pPr>
-              <a:defRPr sz="1600"/>
+              <a:defRPr sz="1200"/>
             </a:lvl6pPr>
             <a:lvl7pPr>
-              <a:defRPr sz="1600"/>
+              <a:defRPr sz="1200"/>
             </a:lvl7pPr>
             <a:lvl8pPr>
-              <a:defRPr sz="1600"/>
+              <a:defRPr sz="1200"/>
             </a:lvl8pPr>
             <a:lvl9pPr>
-              <a:defRPr sz="1600"/>
+              <a:defRPr sz="1200"/>
             </a:lvl9pPr>
           </a:lstStyle>
           <a:p>
             <a:pPr lvl="0"/>
             <a:r>
+              <a:rPr lang="en-US"/>
+              <a:t>Click to edit Master text styles</a:t>
+            </a:r>
+          </a:p>
+          <a:p>
+            <a:pPr lvl="1"/>
+            <a:r>
+              <a:rPr lang="en-US"/>
+              <a:t>Second level</a:t>
+            </a:r>
+          </a:p>
+          <a:p>
+            <a:pPr lvl="2"/>
+            <a:r>
+              <a:rPr lang="en-US"/>
+              <a:t>Third level</a:t>
+            </a:r>
+          </a:p>
+          <a:p>
+            <a:pPr lvl="3"/>
+            <a:r>
+              <a:rPr lang="en-US"/>
+              <a:t>Fourth level</a:t>
+            </a:r>
+          </a:p>
+          <a:p>
+            <a:pPr lvl="4"/>
+            <a:r>
+              <a:rPr lang="en-US"/>
+              <a:t>Fifth level</a:t>
+            </a:r>
+          </a:p>
+        </p:txBody>
+      </p:sp>
+      <p:sp>
+        <p:nvSpPr>
+          <p:cNvPr id="7" name="Date Placeholder 6"/>
+          <p:cNvSpPr>
+            <a:spLocks noGrp="1"/>
+          </p:cNvSpPr>
+          <p:nvPr>
+            <p:ph type="dt" sz="half" idx="10"/>
+          </p:nvPr>
+        </p:nvSpPr>
+        <p:spPr/>
+        <p:txBody>
+          <a:bodyPr/>
+          <a:lstStyle/>
+          <a:p>
+            <a:fld id="{241EB5C9-1307-BA42-ABA2-0BC069CD8E7F}" type="datetimeFigureOut">
               <a:rPr lang="en-US" smtClean="0"/>
-              <a:t>Click to edit Master text styles</a:t>
-            </a:r>
-          </a:p>
-          <a:p>
-            <a:pPr lvl="1"/>
-            <a:r>
-              <a:rPr lang="en-US" smtClean="0"/>
-              <a:t>Second level</a:t>
-            </a:r>
-          </a:p>
-          <a:p>
-            <a:pPr lvl="2"/>
-            <a:r>
-              <a:rPr lang="en-US" smtClean="0"/>
-              <a:t>Third level</a:t>
-            </a:r>
-          </a:p>
-          <a:p>
-            <a:pPr lvl="3"/>
-            <a:r>
-              <a:rPr lang="en-US" smtClean="0"/>
-              <a:t>Fourth level</a:t>
-            </a:r>
-          </a:p>
-          <a:p>
-            <a:pPr lvl="4"/>
-            <a:r>
-              <a:rPr lang="en-US" smtClean="0"/>
-              <a:t>Fifth level</a:t>
-            </a:r>
-            <a:endParaRPr lang="en-US"/>
-          </a:p>
-        </p:txBody>
-      </p:sp>
-      <p:sp>
-        <p:nvSpPr>
-          <p:cNvPr id="7" name="Date Placeholder 6"/>
-          <p:cNvSpPr>
-            <a:spLocks noGrp="1"/>
-          </p:cNvSpPr>
-          <p:nvPr>
-            <p:ph type="dt" sz="half" idx="10"/>
-          </p:nvPr>
-        </p:nvSpPr>
-        <p:spPr/>
-        <p:txBody>
-          <a:bodyPr/>
-          <a:lstStyle/>
-          <a:p>
-            <a:fld id="{5BCAD085-E8A6-8845-BD4E-CB4CCA059FC4}" type="datetimeFigureOut">
-              <a:rPr lang="en-US" smtClean="0"/>
-              <a:t>1/27/13</a:t>
+              <a:t>1/2/22</a:t>
             </a:fld>
             <a:endParaRPr lang="en-US"/>
           </a:p>
@@ -1804,7 +1810,7 @@
           <a:bodyPr/>
           <a:lstStyle/>
           <a:p>
-            <a:fld id="{C1FF6DA9-008F-8B48-92A6-B652298478BF}" type="slidenum">
+            <a:fld id="{C5EF2332-01BF-834F-8236-50238282D533}" type="slidenum">
               <a:rPr lang="en-US" smtClean="0"/>
               <a:t>‹#›</a:t>
             </a:fld>
@@ -1815,7 +1821,7 @@
     </p:spTree>
     <p:extLst>
       <p:ext uri="{BB962C8B-B14F-4D97-AF65-F5344CB8AC3E}">
-        <p14:creationId xmlns:p14="http://schemas.microsoft.com/office/powerpoint/2010/main" val="990158736"/>
+        <p14:creationId xmlns:p14="http://schemas.microsoft.com/office/powerpoint/2010/main" val="2535793967"/>
       </p:ext>
     </p:extLst>
   </p:cSld>
@@ -1858,31 +1864,30 @@
           <a:lstStyle/>
           <a:p>
             <a:r>
+              <a:rPr lang="en-US"/>
+              <a:t>Click to edit Master title style</a:t>
+            </a:r>
+          </a:p>
+        </p:txBody>
+      </p:sp>
+      <p:sp>
+        <p:nvSpPr>
+          <p:cNvPr id="3" name="Date Placeholder 2"/>
+          <p:cNvSpPr>
+            <a:spLocks noGrp="1"/>
+          </p:cNvSpPr>
+          <p:nvPr>
+            <p:ph type="dt" sz="half" idx="10"/>
+          </p:nvPr>
+        </p:nvSpPr>
+        <p:spPr/>
+        <p:txBody>
+          <a:bodyPr/>
+          <a:lstStyle/>
+          <a:p>
+            <a:fld id="{241EB5C9-1307-BA42-ABA2-0BC069CD8E7F}" type="datetimeFigureOut">
               <a:rPr lang="en-US" smtClean="0"/>
-              <a:t>Click to edit Master title style</a:t>
-            </a:r>
-            <a:endParaRPr lang="en-US"/>
-          </a:p>
-        </p:txBody>
-      </p:sp>
-      <p:sp>
-        <p:nvSpPr>
-          <p:cNvPr id="3" name="Date Placeholder 2"/>
-          <p:cNvSpPr>
-            <a:spLocks noGrp="1"/>
-          </p:cNvSpPr>
-          <p:nvPr>
-            <p:ph type="dt" sz="half" idx="10"/>
-          </p:nvPr>
-        </p:nvSpPr>
-        <p:spPr/>
-        <p:txBody>
-          <a:bodyPr/>
-          <a:lstStyle/>
-          <a:p>
-            <a:fld id="{5BCAD085-E8A6-8845-BD4E-CB4CCA059FC4}" type="datetimeFigureOut">
-              <a:rPr lang="en-US" smtClean="0"/>
-              <a:t>1/27/13</a:t>
+              <a:t>1/2/22</a:t>
             </a:fld>
             <a:endParaRPr lang="en-US"/>
           </a:p>
@@ -1922,7 +1927,7 @@
           <a:bodyPr/>
           <a:lstStyle/>
           <a:p>
-            <a:fld id="{C1FF6DA9-008F-8B48-92A6-B652298478BF}" type="slidenum">
+            <a:fld id="{C5EF2332-01BF-834F-8236-50238282D533}" type="slidenum">
               <a:rPr lang="en-US" smtClean="0"/>
               <a:t>‹#›</a:t>
             </a:fld>
@@ -1933,7 +1938,7 @@
     </p:spTree>
     <p:extLst>
       <p:ext uri="{BB962C8B-B14F-4D97-AF65-F5344CB8AC3E}">
-        <p14:creationId xmlns:p14="http://schemas.microsoft.com/office/powerpoint/2010/main" val="727027711"/>
+        <p14:creationId xmlns:p14="http://schemas.microsoft.com/office/powerpoint/2010/main" val="3472721253"/>
       </p:ext>
     </p:extLst>
   </p:cSld>
@@ -1975,9 +1980,9 @@
           <a:bodyPr/>
           <a:lstStyle/>
           <a:p>
-            <a:fld id="{5BCAD085-E8A6-8845-BD4E-CB4CCA059FC4}" type="datetimeFigureOut">
+            <a:fld id="{241EB5C9-1307-BA42-ABA2-0BC069CD8E7F}" type="datetimeFigureOut">
               <a:rPr lang="en-US" smtClean="0"/>
-              <a:t>1/27/13</a:t>
+              <a:t>1/2/22</a:t>
             </a:fld>
             <a:endParaRPr lang="en-US"/>
           </a:p>
@@ -2017,7 +2022,7 @@
           <a:bodyPr/>
           <a:lstStyle/>
           <a:p>
-            <a:fld id="{C1FF6DA9-008F-8B48-92A6-B652298478BF}" type="slidenum">
+            <a:fld id="{C5EF2332-01BF-834F-8236-50238282D533}" type="slidenum">
               <a:rPr lang="en-US" smtClean="0"/>
               <a:t>‹#›</a:t>
             </a:fld>
@@ -2028,7 +2033,7 @@
     </p:spTree>
     <p:extLst>
       <p:ext uri="{BB962C8B-B14F-4D97-AF65-F5344CB8AC3E}">
-        <p14:creationId xmlns:p14="http://schemas.microsoft.com/office/powerpoint/2010/main" val="1212999818"/>
+        <p14:creationId xmlns:p14="http://schemas.microsoft.com/office/powerpoint/2010/main" val="2130901097"/>
       </p:ext>
     </p:extLst>
   </p:cSld>
@@ -2067,23 +2072,22 @@
         </p:nvSpPr>
         <p:spPr>
           <a:xfrm>
-            <a:off x="457200" y="273050"/>
-            <a:ext cx="3008313" cy="1162050"/>
+            <a:off x="457201" y="204787"/>
+            <a:ext cx="3008313" cy="871538"/>
           </a:xfrm>
         </p:spPr>
         <p:txBody>
           <a:bodyPr anchor="b"/>
           <a:lstStyle>
             <a:lvl1pPr algn="l">
-              <a:defRPr sz="2000" b="1"/>
+              <a:defRPr sz="1500" b="1"/>
             </a:lvl1pPr>
           </a:lstStyle>
           <a:p>
             <a:r>
-              <a:rPr lang="en-US" smtClean="0"/>
+              <a:rPr lang="en-US"/>
               <a:t>Click to edit Master title style</a:t>
             </a:r>
-            <a:endParaRPr lang="en-US"/>
           </a:p>
         </p:txBody>
       </p:sp>
@@ -2099,76 +2103,75 @@
         </p:nvSpPr>
         <p:spPr>
           <a:xfrm>
-            <a:off x="3575050" y="273050"/>
-            <a:ext cx="5111750" cy="5853113"/>
+            <a:off x="3575050" y="204788"/>
+            <a:ext cx="5111750" cy="4389835"/>
           </a:xfrm>
         </p:spPr>
         <p:txBody>
           <a:bodyPr/>
           <a:lstStyle>
             <a:lvl1pPr>
-              <a:defRPr sz="3200"/>
+              <a:defRPr sz="2400"/>
             </a:lvl1pPr>
             <a:lvl2pPr>
-              <a:defRPr sz="2800"/>
+              <a:defRPr sz="2100"/>
             </a:lvl2pPr>
             <a:lvl3pPr>
-              <a:defRPr sz="2400"/>
+              <a:defRPr sz="1800"/>
             </a:lvl3pPr>
             <a:lvl4pPr>
-              <a:defRPr sz="2000"/>
+              <a:defRPr sz="1500"/>
             </a:lvl4pPr>
             <a:lvl5pPr>
-              <a:defRPr sz="2000"/>
+              <a:defRPr sz="1500"/>
             </a:lvl5pPr>
             <a:lvl6pPr>
-              <a:defRPr sz="2000"/>
+              <a:defRPr sz="1500"/>
             </a:lvl6pPr>
             <a:lvl7pPr>
-              <a:defRPr sz="2000"/>
+              <a:defRPr sz="1500"/>
             </a:lvl7pPr>
             <a:lvl8pPr>
-              <a:defRPr sz="2000"/>
+              <a:defRPr sz="1500"/>
             </a:lvl8pPr>
             <a:lvl9pPr>
-              <a:defRPr sz="2000"/>
+              <a:defRPr sz="1500"/>
             </a:lvl9pPr>
           </a:lstStyle>
           <a:p>
             <a:pPr lvl="0"/>
             <a:r>
-              <a:rPr lang="en-US" smtClean="0"/>
+              <a:rPr lang="en-US"/>
               <a:t>Click to edit Master text styles</a:t>
             </a:r>
           </a:p>
           <a:p>
             <a:pPr lvl="1"/>
             <a:r>
-              <a:rPr lang="en-US" smtClean="0"/>
+              <a:rPr lang="en-US"/>
               <a:t>Second level</a:t>
             </a:r>
           </a:p>
           <a:p>
             <a:pPr lvl="2"/>
             <a:r>
-              <a:rPr lang="en-US" smtClean="0"/>
+              <a:rPr lang="en-US"/>
               <a:t>Third level</a:t>
             </a:r>
           </a:p>
           <a:p>
             <a:pPr lvl="3"/>
             <a:r>
-              <a:rPr lang="en-US" smtClean="0"/>
+              <a:rPr lang="en-US"/>
               <a:t>Fourth level</a:t>
             </a:r>
           </a:p>
           <a:p>
             <a:pPr lvl="4"/>
             <a:r>
-              <a:rPr lang="en-US" smtClean="0"/>
+              <a:rPr lang="en-US"/>
               <a:t>Fifth level</a:t>
             </a:r>
-            <a:endParaRPr lang="en-US"/>
           </a:p>
         </p:txBody>
       </p:sp>
@@ -2184,8 +2187,8 @@
         </p:nvSpPr>
         <p:spPr>
           <a:xfrm>
-            <a:off x="457200" y="1435100"/>
-            <a:ext cx="3008313" cy="4691063"/>
+            <a:off x="457201" y="1076326"/>
+            <a:ext cx="3008313" cy="3518297"/>
           </a:xfrm>
         </p:spPr>
         <p:txBody>
@@ -2193,68 +2196,68 @@
           <a:lstStyle>
             <a:lvl1pPr marL="0" indent="0">
               <a:buNone/>
-              <a:defRPr sz="1400"/>
+              <a:defRPr sz="1050"/>
             </a:lvl1pPr>
-            <a:lvl2pPr marL="457200" indent="0">
-              <a:buNone/>
-              <a:defRPr sz="1200"/>
+            <a:lvl2pPr marL="342900" indent="0">
+              <a:buNone/>
+              <a:defRPr sz="900"/>
             </a:lvl2pPr>
-            <a:lvl3pPr marL="914400" indent="0">
-              <a:buNone/>
-              <a:defRPr sz="1000"/>
+            <a:lvl3pPr marL="685800" indent="0">
+              <a:buNone/>
+              <a:defRPr sz="750"/>
             </a:lvl3pPr>
-            <a:lvl4pPr marL="1371600" indent="0">
-              <a:buNone/>
-              <a:defRPr sz="900"/>
+            <a:lvl4pPr marL="1028700" indent="0">
+              <a:buNone/>
+              <a:defRPr sz="675"/>
             </a:lvl4pPr>
-            <a:lvl5pPr marL="1828800" indent="0">
-              <a:buNone/>
-              <a:defRPr sz="900"/>
+            <a:lvl5pPr marL="1371600" indent="0">
+              <a:buNone/>
+              <a:defRPr sz="675"/>
             </a:lvl5pPr>
-            <a:lvl6pPr marL="2286000" indent="0">
-              <a:buNone/>
-              <a:defRPr sz="900"/>
+            <a:lvl6pPr marL="1714500" indent="0">
+              <a:buNone/>
+              <a:defRPr sz="675"/>
             </a:lvl6pPr>
-            <a:lvl7pPr marL="2743200" indent="0">
-              <a:buNone/>
-              <a:defRPr sz="900"/>
+            <a:lvl7pPr marL="2057400" indent="0">
+              <a:buNone/>
+              <a:defRPr sz="675"/>
             </a:lvl7pPr>
-            <a:lvl8pPr marL="3200400" indent="0">
-              <a:buNone/>
-              <a:defRPr sz="900"/>
+            <a:lvl8pPr marL="2400300" indent="0">
+              <a:buNone/>
+              <a:defRPr sz="675"/>
             </a:lvl8pPr>
-            <a:lvl9pPr marL="3657600" indent="0">
-              <a:buNone/>
-              <a:defRPr sz="900"/>
+            <a:lvl9pPr marL="2743200" indent="0">
+              <a:buNone/>
+              <a:defRPr sz="675"/>
             </a:lvl9pPr>
           </a:lstStyle>
           <a:p>
             <a:pPr lvl="0"/>
             <a:r>
+              <a:rPr lang="en-US"/>
+              <a:t>Click to edit Master text styles</a:t>
+            </a:r>
+          </a:p>
+        </p:txBody>
+      </p:sp>
+      <p:sp>
+        <p:nvSpPr>
+          <p:cNvPr id="5" name="Date Placeholder 4"/>
+          <p:cNvSpPr>
+            <a:spLocks noGrp="1"/>
+          </p:cNvSpPr>
+          <p:nvPr>
+            <p:ph type="dt" sz="half" idx="10"/>
+          </p:nvPr>
+        </p:nvSpPr>
+        <p:spPr/>
+        <p:txBody>
+          <a:bodyPr/>
+          <a:lstStyle/>
+          <a:p>
+            <a:fld id="{241EB5C9-1307-BA42-ABA2-0BC069CD8E7F}" type="datetimeFigureOut">
               <a:rPr lang="en-US" smtClean="0"/>
-              <a:t>Click to edit Master text styles</a:t>
-            </a:r>
-          </a:p>
-        </p:txBody>
-      </p:sp>
-      <p:sp>
-        <p:nvSpPr>
-          <p:cNvPr id="5" name="Date Placeholder 4"/>
-          <p:cNvSpPr>
-            <a:spLocks noGrp="1"/>
-          </p:cNvSpPr>
-          <p:nvPr>
-            <p:ph type="dt" sz="half" idx="10"/>
-          </p:nvPr>
-        </p:nvSpPr>
-        <p:spPr/>
-        <p:txBody>
-          <a:bodyPr/>
-          <a:lstStyle/>
-          <a:p>
-            <a:fld id="{5BCAD085-E8A6-8845-BD4E-CB4CCA059FC4}" type="datetimeFigureOut">
-              <a:rPr lang="en-US" smtClean="0"/>
-              <a:t>1/27/13</a:t>
+              <a:t>1/2/22</a:t>
             </a:fld>
             <a:endParaRPr lang="en-US"/>
           </a:p>
@@ -2294,7 +2297,7 @@
           <a:bodyPr/>
           <a:lstStyle/>
           <a:p>
-            <a:fld id="{C1FF6DA9-008F-8B48-92A6-B652298478BF}" type="slidenum">
+            <a:fld id="{C5EF2332-01BF-834F-8236-50238282D533}" type="slidenum">
               <a:rPr lang="en-US" smtClean="0"/>
               <a:t>‹#›</a:t>
             </a:fld>
@@ -2305,7 +2308,7 @@
     </p:spTree>
     <p:extLst>
       <p:ext uri="{BB962C8B-B14F-4D97-AF65-F5344CB8AC3E}">
-        <p14:creationId xmlns:p14="http://schemas.microsoft.com/office/powerpoint/2010/main" val="1840726560"/>
+        <p14:creationId xmlns:p14="http://schemas.microsoft.com/office/powerpoint/2010/main" val="3540895647"/>
       </p:ext>
     </p:extLst>
   </p:cSld>
@@ -2344,23 +2347,22 @@
         </p:nvSpPr>
         <p:spPr>
           <a:xfrm>
-            <a:off x="1792288" y="4800600"/>
-            <a:ext cx="5486400" cy="566738"/>
+            <a:off x="1792288" y="3600450"/>
+            <a:ext cx="5486400" cy="425054"/>
           </a:xfrm>
         </p:spPr>
         <p:txBody>
           <a:bodyPr anchor="b"/>
           <a:lstStyle>
             <a:lvl1pPr algn="l">
-              <a:defRPr sz="2000" b="1"/>
+              <a:defRPr sz="1500" b="1"/>
             </a:lvl1pPr>
           </a:lstStyle>
           <a:p>
             <a:r>
-              <a:rPr lang="en-US" smtClean="0"/>
+              <a:rPr lang="en-US"/>
               <a:t>Click to edit Master title style</a:t>
             </a:r>
-            <a:endParaRPr lang="en-US"/>
           </a:p>
         </p:txBody>
       </p:sp>
@@ -2376,8 +2378,8 @@
         </p:nvSpPr>
         <p:spPr>
           <a:xfrm>
-            <a:off x="1792288" y="612775"/>
-            <a:ext cx="5486400" cy="4114800"/>
+            <a:off x="1792288" y="459581"/>
+            <a:ext cx="5486400" cy="3086100"/>
           </a:xfrm>
         </p:spPr>
         <p:txBody>
@@ -2385,39 +2387,39 @@
           <a:lstStyle>
             <a:lvl1pPr marL="0" indent="0">
               <a:buNone/>
-              <a:defRPr sz="3200"/>
+              <a:defRPr sz="2400"/>
             </a:lvl1pPr>
-            <a:lvl2pPr marL="457200" indent="0">
-              <a:buNone/>
-              <a:defRPr sz="2800"/>
+            <a:lvl2pPr marL="342900" indent="0">
+              <a:buNone/>
+              <a:defRPr sz="2100"/>
             </a:lvl2pPr>
-            <a:lvl3pPr marL="914400" indent="0">
-              <a:buNone/>
-              <a:defRPr sz="2400"/>
+            <a:lvl3pPr marL="685800" indent="0">
+              <a:buNone/>
+              <a:defRPr sz="1800"/>
             </a:lvl3pPr>
-            <a:lvl4pPr marL="1371600" indent="0">
-              <a:buNone/>
-              <a:defRPr sz="2000"/>
+            <a:lvl4pPr marL="1028700" indent="0">
+              <a:buNone/>
+              <a:defRPr sz="1500"/>
             </a:lvl4pPr>
-            <a:lvl5pPr marL="1828800" indent="0">
-              <a:buNone/>
-              <a:defRPr sz="2000"/>
+            <a:lvl5pPr marL="1371600" indent="0">
+              <a:buNone/>
+              <a:defRPr sz="1500"/>
             </a:lvl5pPr>
-            <a:lvl6pPr marL="2286000" indent="0">
-              <a:buNone/>
-              <a:defRPr sz="2000"/>
+            <a:lvl6pPr marL="1714500" indent="0">
+              <a:buNone/>
+              <a:defRPr sz="1500"/>
             </a:lvl6pPr>
-            <a:lvl7pPr marL="2743200" indent="0">
-              <a:buNone/>
-              <a:defRPr sz="2000"/>
+            <a:lvl7pPr marL="2057400" indent="0">
+              <a:buNone/>
+              <a:defRPr sz="1500"/>
             </a:lvl7pPr>
-            <a:lvl8pPr marL="3200400" indent="0">
-              <a:buNone/>
-              <a:defRPr sz="2000"/>
+            <a:lvl8pPr marL="2400300" indent="0">
+              <a:buNone/>
+              <a:defRPr sz="1500"/>
             </a:lvl8pPr>
-            <a:lvl9pPr marL="3657600" indent="0">
-              <a:buNone/>
-              <a:defRPr sz="2000"/>
+            <a:lvl9pPr marL="2743200" indent="0">
+              <a:buNone/>
+              <a:defRPr sz="1500"/>
             </a:lvl9pPr>
           </a:lstStyle>
           <a:p>
@@ -2437,8 +2439,8 @@
         </p:nvSpPr>
         <p:spPr>
           <a:xfrm>
-            <a:off x="1792288" y="5367338"/>
-            <a:ext cx="5486400" cy="804862"/>
+            <a:off x="1792288" y="4025503"/>
+            <a:ext cx="5486400" cy="603647"/>
           </a:xfrm>
         </p:spPr>
         <p:txBody>
@@ -2446,68 +2448,68 @@
           <a:lstStyle>
             <a:lvl1pPr marL="0" indent="0">
               <a:buNone/>
-              <a:defRPr sz="1400"/>
+              <a:defRPr sz="1050"/>
             </a:lvl1pPr>
-            <a:lvl2pPr marL="457200" indent="0">
-              <a:buNone/>
-              <a:defRPr sz="1200"/>
+            <a:lvl2pPr marL="342900" indent="0">
+              <a:buNone/>
+              <a:defRPr sz="900"/>
             </a:lvl2pPr>
-            <a:lvl3pPr marL="914400" indent="0">
-              <a:buNone/>
-              <a:defRPr sz="1000"/>
+            <a:lvl3pPr marL="685800" indent="0">
+              <a:buNone/>
+              <a:defRPr sz="750"/>
             </a:lvl3pPr>
-            <a:lvl4pPr marL="1371600" indent="0">
-              <a:buNone/>
-              <a:defRPr sz="900"/>
+            <a:lvl4pPr marL="1028700" indent="0">
+              <a:buNone/>
+              <a:defRPr sz="675"/>
             </a:lvl4pPr>
-            <a:lvl5pPr marL="1828800" indent="0">
-              <a:buNone/>
-              <a:defRPr sz="900"/>
+            <a:lvl5pPr marL="1371600" indent="0">
+              <a:buNone/>
+              <a:defRPr sz="675"/>
             </a:lvl5pPr>
-            <a:lvl6pPr marL="2286000" indent="0">
-              <a:buNone/>
-              <a:defRPr sz="900"/>
+            <a:lvl6pPr marL="1714500" indent="0">
+              <a:buNone/>
+              <a:defRPr sz="675"/>
             </a:lvl6pPr>
-            <a:lvl7pPr marL="2743200" indent="0">
-              <a:buNone/>
-              <a:defRPr sz="900"/>
+            <a:lvl7pPr marL="2057400" indent="0">
+              <a:buNone/>
+              <a:defRPr sz="675"/>
             </a:lvl7pPr>
-            <a:lvl8pPr marL="3200400" indent="0">
-              <a:buNone/>
-              <a:defRPr sz="900"/>
+            <a:lvl8pPr marL="2400300" indent="0">
+              <a:buNone/>
+              <a:defRPr sz="675"/>
             </a:lvl8pPr>
-            <a:lvl9pPr marL="3657600" indent="0">
-              <a:buNone/>
-              <a:defRPr sz="900"/>
+            <a:lvl9pPr marL="2743200" indent="0">
+              <a:buNone/>
+              <a:defRPr sz="675"/>
             </a:lvl9pPr>
           </a:lstStyle>
           <a:p>
             <a:pPr lvl="0"/>
             <a:r>
+              <a:rPr lang="en-US"/>
+              <a:t>Click to edit Master text styles</a:t>
+            </a:r>
+          </a:p>
+        </p:txBody>
+      </p:sp>
+      <p:sp>
+        <p:nvSpPr>
+          <p:cNvPr id="5" name="Date Placeholder 4"/>
+          <p:cNvSpPr>
+            <a:spLocks noGrp="1"/>
+          </p:cNvSpPr>
+          <p:nvPr>
+            <p:ph type="dt" sz="half" idx="10"/>
+          </p:nvPr>
+        </p:nvSpPr>
+        <p:spPr/>
+        <p:txBody>
+          <a:bodyPr/>
+          <a:lstStyle/>
+          <a:p>
+            <a:fld id="{241EB5C9-1307-BA42-ABA2-0BC069CD8E7F}" type="datetimeFigureOut">
               <a:rPr lang="en-US" smtClean="0"/>
-              <a:t>Click to edit Master text styles</a:t>
-            </a:r>
-          </a:p>
-        </p:txBody>
-      </p:sp>
-      <p:sp>
-        <p:nvSpPr>
-          <p:cNvPr id="5" name="Date Placeholder 4"/>
-          <p:cNvSpPr>
-            <a:spLocks noGrp="1"/>
-          </p:cNvSpPr>
-          <p:nvPr>
-            <p:ph type="dt" sz="half" idx="10"/>
-          </p:nvPr>
-        </p:nvSpPr>
-        <p:spPr/>
-        <p:txBody>
-          <a:bodyPr/>
-          <a:lstStyle/>
-          <a:p>
-            <a:fld id="{5BCAD085-E8A6-8845-BD4E-CB4CCA059FC4}" type="datetimeFigureOut">
-              <a:rPr lang="en-US" smtClean="0"/>
-              <a:t>1/27/13</a:t>
+              <a:t>1/2/22</a:t>
             </a:fld>
             <a:endParaRPr lang="en-US"/>
           </a:p>
@@ -2547,7 +2549,7 @@
           <a:bodyPr/>
           <a:lstStyle/>
           <a:p>
-            <a:fld id="{C1FF6DA9-008F-8B48-92A6-B652298478BF}" type="slidenum">
+            <a:fld id="{C5EF2332-01BF-834F-8236-50238282D533}" type="slidenum">
               <a:rPr lang="en-US" smtClean="0"/>
               <a:t>‹#›</a:t>
             </a:fld>
@@ -2558,7 +2560,7 @@
     </p:spTree>
     <p:extLst>
       <p:ext uri="{BB962C8B-B14F-4D97-AF65-F5344CB8AC3E}">
-        <p14:creationId xmlns:p14="http://schemas.microsoft.com/office/powerpoint/2010/main" val="3889236939"/>
+        <p14:creationId xmlns:p14="http://schemas.microsoft.com/office/powerpoint/2010/main" val="3566899855"/>
       </p:ext>
     </p:extLst>
   </p:cSld>
@@ -2569,7 +2571,7 @@
 </file>
 
 <file path=ppt/slideMasters/slideMaster1.xml><?xml version="1.0" encoding="utf-8"?>
-<p:sldMaster xmlns:a="http://schemas.openxmlformats.org/drawingml/2006/main" xmlns:r="http://schemas.openxmlformats.org/officeDocument/2006/relationships" xmlns:p="http://schemas.openxmlformats.org/presentationml/2006/main">
+<p:sldMaster xmlns:a="http://schemas.openxmlformats.org/drawingml/2006/main" xmlns:p="http://schemas.openxmlformats.org/presentationml/2006/main" xmlns:r="http://schemas.openxmlformats.org/officeDocument/2006/relationships">
   <p:cSld>
     <p:bg>
       <p:bgRef idx="1001">
@@ -2602,24 +2604,23 @@
         </p:nvSpPr>
         <p:spPr>
           <a:xfrm>
-            <a:off x="457200" y="274638"/>
-            <a:ext cx="8229600" cy="1143000"/>
+            <a:off x="457200" y="205979"/>
+            <a:ext cx="8229600" cy="857250"/>
           </a:xfrm>
           <a:prstGeom prst="rect">
             <a:avLst/>
           </a:prstGeom>
         </p:spPr>
         <p:txBody>
-          <a:bodyPr vert="horz" lIns="91440" tIns="45720" rIns="91440" bIns="45720" rtlCol="0" anchor="ctr">
+          <a:bodyPr anchor="ctr" bIns="45720" lIns="91440" rIns="91440" rtlCol="0" tIns="45720" vert="horz">
             <a:normAutofit/>
           </a:bodyPr>
           <a:lstStyle/>
           <a:p>
             <a:r>
-              <a:rPr lang="en-US" smtClean="0"/>
+              <a:rPr lang="en-US"/>
               <a:t>Click to edit Master title style</a:t>
             </a:r>
-            <a:endParaRPr lang="en-US"/>
           </a:p>
         </p:txBody>
       </p:sp>
@@ -2630,58 +2631,57 @@
             <a:spLocks noGrp="1"/>
           </p:cNvSpPr>
           <p:nvPr>
-            <p:ph type="body" idx="1"/>
+            <p:ph idx="1" type="body"/>
           </p:nvPr>
         </p:nvSpPr>
         <p:spPr>
           <a:xfrm>
-            <a:off x="457200" y="1600200"/>
-            <a:ext cx="8229600" cy="4525963"/>
+            <a:off x="457200" y="1200151"/>
+            <a:ext cx="8229600" cy="3394472"/>
           </a:xfrm>
           <a:prstGeom prst="rect">
             <a:avLst/>
           </a:prstGeom>
         </p:spPr>
         <p:txBody>
-          <a:bodyPr vert="horz" lIns="91440" tIns="45720" rIns="91440" bIns="45720" rtlCol="0">
+          <a:bodyPr bIns="45720" lIns="91440" rIns="91440" rtlCol="0" tIns="45720" vert="horz">
             <a:normAutofit/>
           </a:bodyPr>
           <a:lstStyle/>
           <a:p>
             <a:pPr lvl="0"/>
             <a:r>
-              <a:rPr lang="en-US" smtClean="0"/>
+              <a:rPr lang="en-US"/>
               <a:t>Click to edit Master text styles</a:t>
             </a:r>
           </a:p>
           <a:p>
             <a:pPr lvl="1"/>
             <a:r>
-              <a:rPr lang="en-US" smtClean="0"/>
+              <a:rPr lang="en-US"/>
               <a:t>Second level</a:t>
             </a:r>
           </a:p>
           <a:p>
             <a:pPr lvl="2"/>
             <a:r>
-              <a:rPr lang="en-US" smtClean="0"/>
+              <a:rPr lang="en-US"/>
               <a:t>Third level</a:t>
             </a:r>
           </a:p>
           <a:p>
             <a:pPr lvl="3"/>
             <a:r>
-              <a:rPr lang="en-US" smtClean="0"/>
+              <a:rPr lang="en-US"/>
               <a:t>Fourth level</a:t>
             </a:r>
           </a:p>
           <a:p>
             <a:pPr lvl="4"/>
             <a:r>
-              <a:rPr lang="en-US" smtClean="0"/>
+              <a:rPr lang="en-US"/>
               <a:t>Fifth level</a:t>
             </a:r>
-            <a:endParaRPr lang="en-US"/>
           </a:p>
         </p:txBody>
       </p:sp>
@@ -2692,23 +2692,23 @@
             <a:spLocks noGrp="1"/>
           </p:cNvSpPr>
           <p:nvPr>
-            <p:ph type="dt" sz="half" idx="2"/>
+            <p:ph idx="2" sz="half" type="dt"/>
           </p:nvPr>
         </p:nvSpPr>
         <p:spPr>
           <a:xfrm>
-            <a:off x="457200" y="6356350"/>
-            <a:ext cx="2133600" cy="365125"/>
+            <a:off x="457200" y="4767263"/>
+            <a:ext cx="2133600" cy="273844"/>
           </a:xfrm>
           <a:prstGeom prst="rect">
             <a:avLst/>
           </a:prstGeom>
         </p:spPr>
         <p:txBody>
-          <a:bodyPr vert="horz" lIns="91440" tIns="45720" rIns="91440" bIns="45720" rtlCol="0" anchor="ctr"/>
+          <a:bodyPr anchor="ctr" bIns="45720" lIns="91440" rIns="91440" rtlCol="0" tIns="45720" vert="horz"/>
           <a:lstStyle>
             <a:lvl1pPr algn="l">
-              <a:defRPr sz="1200">
+              <a:defRPr sz="900">
                 <a:solidFill>
                   <a:schemeClr val="tx1">
                     <a:tint val="75000"/>
@@ -2718,9 +2718,9 @@
             </a:lvl1pPr>
           </a:lstStyle>
           <a:p>
-            <a:fld id="{5BCAD085-E8A6-8845-BD4E-CB4CCA059FC4}" type="datetimeFigureOut">
+            <a:fld id="{241EB5C9-1307-BA42-ABA2-0BC069CD8E7F}" type="datetimeFigureOut">
               <a:rPr lang="en-US" smtClean="0"/>
-              <a:t>1/27/13</a:t>
+              <a:t>1/2/22</a:t>
             </a:fld>
             <a:endParaRPr lang="en-US"/>
           </a:p>
@@ -2733,23 +2733,23 @@
             <a:spLocks noGrp="1"/>
           </p:cNvSpPr>
           <p:nvPr>
-            <p:ph type="ftr" sz="quarter" idx="3"/>
+            <p:ph idx="3" sz="quarter" type="ftr"/>
           </p:nvPr>
         </p:nvSpPr>
         <p:spPr>
           <a:xfrm>
-            <a:off x="3124200" y="6356350"/>
-            <a:ext cx="2895600" cy="365125"/>
+            <a:off x="3124200" y="4767263"/>
+            <a:ext cx="2895600" cy="273844"/>
           </a:xfrm>
           <a:prstGeom prst="rect">
             <a:avLst/>
           </a:prstGeom>
         </p:spPr>
         <p:txBody>
-          <a:bodyPr vert="horz" lIns="91440" tIns="45720" rIns="91440" bIns="45720" rtlCol="0" anchor="ctr"/>
+          <a:bodyPr anchor="ctr" bIns="45720" lIns="91440" rIns="91440" rtlCol="0" tIns="45720" vert="horz"/>
           <a:lstStyle>
             <a:lvl1pPr algn="ctr">
-              <a:defRPr sz="1200">
+              <a:defRPr sz="900">
                 <a:solidFill>
                   <a:schemeClr val="tx1">
                     <a:tint val="75000"/>
@@ -2770,23 +2770,23 @@
             <a:spLocks noGrp="1"/>
           </p:cNvSpPr>
           <p:nvPr>
-            <p:ph type="sldNum" sz="quarter" idx="4"/>
+            <p:ph idx="4" sz="quarter" type="sldNum"/>
           </p:nvPr>
         </p:nvSpPr>
         <p:spPr>
           <a:xfrm>
-            <a:off x="6553200" y="6356350"/>
-            <a:ext cx="2133600" cy="365125"/>
+            <a:off x="6553200" y="4767263"/>
+            <a:ext cx="2133600" cy="273844"/>
           </a:xfrm>
           <a:prstGeom prst="rect">
             <a:avLst/>
           </a:prstGeom>
         </p:spPr>
         <p:txBody>
-          <a:bodyPr vert="horz" lIns="91440" tIns="45720" rIns="91440" bIns="45720" rtlCol="0" anchor="ctr"/>
+          <a:bodyPr anchor="ctr" bIns="45720" lIns="91440" rIns="91440" rtlCol="0" tIns="45720" vert="horz"/>
           <a:lstStyle>
             <a:lvl1pPr algn="r">
-              <a:defRPr sz="1200">
+              <a:defRPr sz="900">
                 <a:solidFill>
                   <a:schemeClr val="tx1">
                     <a:tint val="75000"/>
@@ -2796,7 +2796,7 @@
             </a:lvl1pPr>
           </a:lstStyle>
           <a:p>
-            <a:fld id="{C1FF6DA9-008F-8B48-92A6-B652298478BF}" type="slidenum">
+            <a:fld id="{C5EF2332-01BF-834F-8236-50238282D533}" type="slidenum">
               <a:rPr lang="en-US" smtClean="0"/>
               <a:t>‹#›</a:t>
             </a:fld>
@@ -2807,11 +2807,11 @@
     </p:spTree>
     <p:extLst>
       <p:ext uri="{BB962C8B-B14F-4D97-AF65-F5344CB8AC3E}">
-        <p14:creationId xmlns:p14="http://schemas.microsoft.com/office/powerpoint/2010/main" val="2209977519"/>
+        <p14:creationId xmlns:p14="http://schemas.microsoft.com/office/powerpoint/2010/main" val="3676200875"/>
       </p:ext>
     </p:extLst>
   </p:cSld>
-  <p:clrMap bg1="lt1" tx1="dk1" bg2="lt2" tx2="dk2" accent1="accent1" accent2="accent2" accent3="accent3" accent4="accent4" accent5="accent5" accent6="accent6" hlink="hlink" folHlink="folHlink"/>
+  <p:clrMap accent1="accent1" accent2="accent2" accent3="accent3" accent4="accent4" accent5="accent5" accent6="accent6" bg1="lt1" bg2="lt2" folHlink="folHlink" hlink="hlink" tx1="dk1" tx2="dk2"/>
   <p:sldLayoutIdLst>
     <p:sldLayoutId id="2147483649" r:id="rId1"/>
     <p:sldLayoutId id="2147483650" r:id="rId2"/>
@@ -2827,12 +2827,12 @@
   </p:sldLayoutIdLst>
   <p:txStyles>
     <p:titleStyle>
-      <a:lvl1pPr algn="ctr" defTabSz="457200" rtl="0" eaLnBrk="1" latinLnBrk="0" hangingPunct="1">
+      <a:lvl1pPr algn="ctr" defTabSz="342900" eaLnBrk="1" hangingPunct="1" latinLnBrk="0" rtl="0">
         <a:spcBef>
           <a:spcPct val="0"/>
         </a:spcBef>
         <a:buNone/>
-        <a:defRPr sz="4400" kern="1200">
+        <a:defRPr kern="1200" sz="3300">
           <a:solidFill>
             <a:schemeClr val="tx1"/>
           </a:solidFill>
@@ -2843,13 +2843,13 @@
       </a:lvl1pPr>
     </p:titleStyle>
     <p:bodyStyle>
-      <a:lvl1pPr marL="342900" indent="-342900" algn="l" defTabSz="457200" rtl="0" eaLnBrk="1" latinLnBrk="0" hangingPunct="1">
+      <a:lvl1pPr algn="l" defTabSz="342900" eaLnBrk="1" hangingPunct="1" indent="-342900" latinLnBrk="0" marL="342900" rtl="0">
         <a:spcBef>
           <a:spcPct val="20000"/>
         </a:spcBef>
         <a:buFont typeface="Arial"/>
         <a:buChar char="•"/>
-        <a:defRPr sz="3200" kern="1200">
+        <a:defRPr kern="1200" sz="2400">
           <a:solidFill>
             <a:schemeClr val="tx1"/>
           </a:solidFill>
@@ -2858,13 +2858,13 @@
           <a:cs typeface="+mn-cs"/>
         </a:defRPr>
       </a:lvl1pPr>
-      <a:lvl2pPr marL="742950" indent="-285750" algn="l" defTabSz="457200" rtl="0" eaLnBrk="1" latinLnBrk="0" hangingPunct="1">
+      <a:lvl2pPr algn="l" defTabSz="342900" eaLnBrk="1" hangingPunct="1" indent="-342900" latinLnBrk="0" marL="685800" rtl="0">
         <a:spcBef>
           <a:spcPct val="20000"/>
         </a:spcBef>
         <a:buFont typeface="Arial"/>
         <a:buChar char="–"/>
-        <a:defRPr sz="2800" kern="1200">
+        <a:defRPr kern="1200" sz="2100">
           <a:solidFill>
             <a:schemeClr val="tx1"/>
           </a:solidFill>
@@ -2873,13 +2873,13 @@
           <a:cs typeface="+mn-cs"/>
         </a:defRPr>
       </a:lvl2pPr>
-      <a:lvl3pPr marL="1143000" indent="-228600" algn="l" defTabSz="457200" rtl="0" eaLnBrk="1" latinLnBrk="0" hangingPunct="1">
+      <a:lvl3pPr algn="l" defTabSz="342900" eaLnBrk="1" hangingPunct="1" indent="-342900" latinLnBrk="0" marL="1028700" rtl="0">
         <a:spcBef>
           <a:spcPct val="20000"/>
         </a:spcBef>
         <a:buFont typeface="Arial"/>
         <a:buChar char="•"/>
-        <a:defRPr sz="2400" kern="1200">
+        <a:defRPr kern="1200" sz="1800">
           <a:solidFill>
             <a:schemeClr val="tx1"/>
           </a:solidFill>
@@ -2888,13 +2888,13 @@
           <a:cs typeface="+mn-cs"/>
         </a:defRPr>
       </a:lvl3pPr>
-      <a:lvl4pPr marL="1600200" indent="-228600" algn="l" defTabSz="457200" rtl="0" eaLnBrk="1" latinLnBrk="0" hangingPunct="1">
+      <a:lvl4pPr algn="l" defTabSz="342900" eaLnBrk="1" hangingPunct="1" indent="-342900" latinLnBrk="0" marL="1371600" rtl="0">
         <a:spcBef>
           <a:spcPct val="20000"/>
         </a:spcBef>
         <a:buFont typeface="Arial"/>
         <a:buChar char="–"/>
-        <a:defRPr sz="2000" kern="1200">
+        <a:defRPr kern="1200" sz="1500">
           <a:solidFill>
             <a:schemeClr val="tx1"/>
           </a:solidFill>
@@ -2903,13 +2903,13 @@
           <a:cs typeface="+mn-cs"/>
         </a:defRPr>
       </a:lvl4pPr>
-      <a:lvl5pPr marL="2057400" indent="-228600" algn="l" defTabSz="457200" rtl="0" eaLnBrk="1" latinLnBrk="0" hangingPunct="1">
+      <a:lvl5pPr algn="l" defTabSz="342900" eaLnBrk="1" hangingPunct="1" indent="-342900" latinLnBrk="0" marL="1714500" rtl="0">
         <a:spcBef>
           <a:spcPct val="20000"/>
         </a:spcBef>
         <a:buFont typeface="Arial"/>
         <a:buChar char="»"/>
-        <a:defRPr sz="2000" kern="1200">
+        <a:defRPr kern="1200" sz="1500">
           <a:solidFill>
             <a:schemeClr val="tx1"/>
           </a:solidFill>
@@ -2918,13 +2918,13 @@
           <a:cs typeface="+mn-cs"/>
         </a:defRPr>
       </a:lvl5pPr>
-      <a:lvl6pPr marL="2514600" indent="-228600" algn="l" defTabSz="457200" rtl="0" eaLnBrk="1" latinLnBrk="0" hangingPunct="1">
+      <a:lvl6pPr algn="l" defTabSz="342900" eaLnBrk="1" hangingPunct="1" indent="-342900" latinLnBrk="0" marL="2057400" rtl="0">
         <a:spcBef>
           <a:spcPct val="20000"/>
         </a:spcBef>
         <a:buFont typeface="Arial"/>
         <a:buChar char="•"/>
-        <a:defRPr sz="2000" kern="1200">
+        <a:defRPr kern="1200" sz="1500">
           <a:solidFill>
             <a:schemeClr val="tx1"/>
           </a:solidFill>
@@ -2933,13 +2933,13 @@
           <a:cs typeface="+mn-cs"/>
         </a:defRPr>
       </a:lvl6pPr>
-      <a:lvl7pPr marL="2971800" indent="-228600" algn="l" defTabSz="457200" rtl="0" eaLnBrk="1" latinLnBrk="0" hangingPunct="1">
+      <a:lvl7pPr algn="l" defTabSz="342900" eaLnBrk="1" hangingPunct="1" indent="-342900" latinLnBrk="0" marL="2400300" rtl="0">
         <a:spcBef>
           <a:spcPct val="20000"/>
         </a:spcBef>
         <a:buFont typeface="Arial"/>
         <a:buChar char="•"/>
-        <a:defRPr sz="2000" kern="1200">
+        <a:defRPr kern="1200" sz="1500">
           <a:solidFill>
             <a:schemeClr val="tx1"/>
           </a:solidFill>
@@ -2948,13 +2948,13 @@
           <a:cs typeface="+mn-cs"/>
         </a:defRPr>
       </a:lvl7pPr>
-      <a:lvl8pPr marL="3429000" indent="-228600" algn="l" defTabSz="457200" rtl="0" eaLnBrk="1" latinLnBrk="0" hangingPunct="1">
+      <a:lvl8pPr algn="l" defTabSz="342900" eaLnBrk="1" hangingPunct="1" indent="-342900" latinLnBrk="0" marL="2743200" rtl="0">
         <a:spcBef>
           <a:spcPct val="20000"/>
         </a:spcBef>
         <a:buFont typeface="Arial"/>
         <a:buChar char="•"/>
-        <a:defRPr sz="2000" kern="1200">
+        <a:defRPr kern="1200" sz="1500">
           <a:solidFill>
             <a:schemeClr val="tx1"/>
           </a:solidFill>
@@ -2963,13 +2963,13 @@
           <a:cs typeface="+mn-cs"/>
         </a:defRPr>
       </a:lvl8pPr>
-      <a:lvl9pPr marL="3886200" indent="-228600" algn="l" defTabSz="457200" rtl="0" eaLnBrk="1" latinLnBrk="0" hangingPunct="1">
+      <a:lvl9pPr algn="l" defTabSz="342900" eaLnBrk="1" hangingPunct="1" indent="-342900" latinLnBrk="0" marL="3086100" rtl="0">
         <a:spcBef>
           <a:spcPct val="20000"/>
         </a:spcBef>
         <a:buFont typeface="Arial"/>
         <a:buChar char="•"/>
-        <a:defRPr sz="2000" kern="1200">
+        <a:defRPr kern="1200" sz="1500">
           <a:solidFill>
             <a:schemeClr val="tx1"/>
           </a:solidFill>
@@ -2983,8 +2983,8 @@
       <a:defPPr>
         <a:defRPr lang="en-US"/>
       </a:defPPr>
-      <a:lvl1pPr marL="0" algn="l" defTabSz="457200" rtl="0" eaLnBrk="1" latinLnBrk="0" hangingPunct="1">
-        <a:defRPr sz="1800" kern="1200">
+      <a:lvl1pPr algn="l" defTabSz="342900" eaLnBrk="1" hangingPunct="1" latinLnBrk="0" marL="0" rtl="0">
+        <a:defRPr kern="1200" sz="1350">
           <a:solidFill>
             <a:schemeClr val="tx1"/>
           </a:solidFill>
@@ -2993,8 +2993,8 @@
           <a:cs typeface="+mn-cs"/>
         </a:defRPr>
       </a:lvl1pPr>
-      <a:lvl2pPr marL="457200" algn="l" defTabSz="457200" rtl="0" eaLnBrk="1" latinLnBrk="0" hangingPunct="1">
-        <a:defRPr sz="1800" kern="1200">
+      <a:lvl2pPr algn="l" defTabSz="342900" eaLnBrk="1" hangingPunct="1" latinLnBrk="0" marL="342900" rtl="0">
+        <a:defRPr kern="1200" sz="1350">
           <a:solidFill>
             <a:schemeClr val="tx1"/>
           </a:solidFill>
@@ -3003,8 +3003,8 @@
           <a:cs typeface="+mn-cs"/>
         </a:defRPr>
       </a:lvl2pPr>
-      <a:lvl3pPr marL="914400" algn="l" defTabSz="457200" rtl="0" eaLnBrk="1" latinLnBrk="0" hangingPunct="1">
-        <a:defRPr sz="1800" kern="1200">
+      <a:lvl3pPr algn="l" defTabSz="342900" eaLnBrk="1" hangingPunct="1" latinLnBrk="0" marL="685800" rtl="0">
+        <a:defRPr kern="1200" sz="1350">
           <a:solidFill>
             <a:schemeClr val="tx1"/>
           </a:solidFill>
@@ -3013,8 +3013,8 @@
           <a:cs typeface="+mn-cs"/>
         </a:defRPr>
       </a:lvl3pPr>
-      <a:lvl4pPr marL="1371600" algn="l" defTabSz="457200" rtl="0" eaLnBrk="1" latinLnBrk="0" hangingPunct="1">
-        <a:defRPr sz="1800" kern="1200">
+      <a:lvl4pPr algn="l" defTabSz="342900" eaLnBrk="1" hangingPunct="1" latinLnBrk="0" marL="1028700" rtl="0">
+        <a:defRPr kern="1200" sz="1350">
           <a:solidFill>
             <a:schemeClr val="tx1"/>
           </a:solidFill>
@@ -3023,8 +3023,8 @@
           <a:cs typeface="+mn-cs"/>
         </a:defRPr>
       </a:lvl4pPr>
-      <a:lvl5pPr marL="1828800" algn="l" defTabSz="457200" rtl="0" eaLnBrk="1" latinLnBrk="0" hangingPunct="1">
-        <a:defRPr sz="1800" kern="1200">
+      <a:lvl5pPr algn="l" defTabSz="342900" eaLnBrk="1" hangingPunct="1" latinLnBrk="0" marL="1371600" rtl="0">
+        <a:defRPr kern="1200" sz="1350">
           <a:solidFill>
             <a:schemeClr val="tx1"/>
           </a:solidFill>
@@ -3033,8 +3033,8 @@
           <a:cs typeface="+mn-cs"/>
         </a:defRPr>
       </a:lvl5pPr>
-      <a:lvl6pPr marL="2286000" algn="l" defTabSz="457200" rtl="0" eaLnBrk="1" latinLnBrk="0" hangingPunct="1">
-        <a:defRPr sz="1800" kern="1200">
+      <a:lvl6pPr algn="l" defTabSz="342900" eaLnBrk="1" hangingPunct="1" latinLnBrk="0" marL="1714500" rtl="0">
+        <a:defRPr kern="1200" sz="1350">
           <a:solidFill>
             <a:schemeClr val="tx1"/>
           </a:solidFill>
@@ -3043,8 +3043,8 @@
           <a:cs typeface="+mn-cs"/>
         </a:defRPr>
       </a:lvl6pPr>
-      <a:lvl7pPr marL="2743200" algn="l" defTabSz="457200" rtl="0" eaLnBrk="1" latinLnBrk="0" hangingPunct="1">
-        <a:defRPr sz="1800" kern="1200">
+      <a:lvl7pPr algn="l" defTabSz="342900" eaLnBrk="1" hangingPunct="1" latinLnBrk="0" marL="2057400" rtl="0">
+        <a:defRPr kern="1200" sz="1350">
           <a:solidFill>
             <a:schemeClr val="tx1"/>
           </a:solidFill>
@@ -3053,8 +3053,8 @@
           <a:cs typeface="+mn-cs"/>
         </a:defRPr>
       </a:lvl7pPr>
-      <a:lvl8pPr marL="3200400" algn="l" defTabSz="457200" rtl="0" eaLnBrk="1" latinLnBrk="0" hangingPunct="1">
-        <a:defRPr sz="1800" kern="1200">
+      <a:lvl8pPr algn="l" defTabSz="342900" eaLnBrk="1" hangingPunct="1" latinLnBrk="0" marL="2400300" rtl="0">
+        <a:defRPr kern="1200" sz="1350">
           <a:solidFill>
             <a:schemeClr val="tx1"/>
           </a:solidFill>
@@ -3063,8 +3063,8 @@
           <a:cs typeface="+mn-cs"/>
         </a:defRPr>
       </a:lvl8pPr>
-      <a:lvl9pPr marL="3657600" algn="l" defTabSz="457200" rtl="0" eaLnBrk="1" latinLnBrk="0" hangingPunct="1">
-        <a:defRPr sz="1800" kern="1200">
+      <a:lvl9pPr algn="l" defTabSz="342900" eaLnBrk="1" hangingPunct="1" latinLnBrk="0" marL="2743200" rtl="0">
+        <a:defRPr kern="1200" sz="1350">
           <a:solidFill>
             <a:schemeClr val="tx1"/>
           </a:solidFill>
@@ -3079,7 +3079,7 @@
 </file>
 
 <file path=ppt/slides/slide1.xml><?xml version="1.0" encoding="utf-8"?>
-<p:sld xmlns:a="http://schemas.openxmlformats.org/drawingml/2006/main" xmlns:p="http://schemas.openxmlformats.org/presentationml/2006/main" xmlns:r="http://schemas.openxmlformats.org/officeDocument/2006/relationships">
+<p:sld xmlns:a="http://schemas.openxmlformats.org/drawingml/2006/main" xmlns:r="http://schemas.openxmlformats.org/officeDocument/2006/relationships" xmlns:p="http://schemas.openxmlformats.org/presentationml/2006/main">
   <p:cSld>
     <p:spTree>
       <p:nvGrpSpPr>
@@ -3087,65 +3087,843 @@
         <p:cNvGrpSpPr/>
         <p:nvPr/>
       </p:nvGrpSpPr>
-      <p:grpSpPr/>
-      <p:sp>
-        <p:nvSpPr>
-          <p:cNvPr id="2" name="Title 1"/>
-          <p:cNvSpPr>
-            <a:spLocks noGrp="1"/>
-          </p:cNvSpPr>
-          <p:nvPr>
-            <p:ph type="title"/>
-          </p:nvPr>
-        </p:nvSpPr>
-        <p:spPr/>
-        <p:txBody>
-          <a:bodyPr/>
-          <a:lstStyle/>
-          <a:p/>
-        </p:txBody>
-      </p:sp>
-      <p:pic>
-        <p:nvPicPr>
-          <p:cNvPr id="3" name="Picture Placeholder 2" descr="header.png"/>
-          <p:cNvPicPr>
-            <a:picLocks noGrp="1" noChangeAspect="1"/>
-          </p:cNvPicPr>
-          <p:nvPr>
-            <p:ph type="pic" idx="1"/>
-          </p:nvPr>
-        </p:nvPicPr>
-        <p:blipFill>
-          <a:blip r:embed="rId2"/>
-          <a:srcRect l="32421" r="32421"/>
-          <a:stretch>
-            <a:fillRect/>
-          </a:stretch>
-        </p:blipFill>
-        <p:spPr/>
-      </p:pic>
-      <p:sp>
-        <p:nvSpPr>
-          <p:cNvPr id="4" name="Text Placeholder 3"/>
-          <p:cNvSpPr>
-            <a:spLocks noGrp="1"/>
-          </p:cNvSpPr>
-          <p:nvPr>
-            <p:ph type="body" idx="2" sz="half"/>
-          </p:nvPr>
-        </p:nvSpPr>
-        <p:spPr/>
-        <p:txBody>
-          <a:bodyPr/>
-          <a:lstStyle/>
-          <a:p/>
+      <p:grpSpPr>
+        <a:xfrm>
+          <a:off x="0" y="0"/>
+          <a:ext cx="0" cy="0"/>
+          <a:chOff x="0" y="0"/>
+          <a:chExt cx="0" cy="0"/>
+        </a:xfrm>
+      </p:grpSpPr>
+      <p:sp>
+        <p:nvSpPr>
+          <p:cNvPr id="3" name="Content Placeholder 2"/>
+          <p:cNvSpPr>
+            <a:spLocks noGrp="1"/>
+          </p:cNvSpPr>
+          <p:nvPr>
+            <p:ph idx="1"/>
+          </p:nvPr>
+        </p:nvSpPr>
+        <p:spPr/>
+        <p:txBody>
+          <a:bodyPr/>
+          <a:lstStyle/>
+          <a:p>
+            <a:pPr lvl="0"/>
+            <a:r>
+              <a:rPr/>
+              <a:t>5 minutes</a:t>
+            </a:r>
+          </a:p>
+          <a:p>
+            <a:pPr lvl="0" indent="0" marL="0">
+              <a:buNone/>
+            </a:pPr>
+            <a:r>
+              <a:rPr/>
+              <a:t>Although the process of adding a custom domain name is simple, you might face a few problems.</a:t>
+            </a:r>
+          </a:p>
+          <a:p>
+            <a:pPr lvl="0" indent="0" marL="0">
+              <a:buNone/>
+            </a:pPr>
+            <a:r>
+              <a:rPr/>
+              <a:t>Unknown to you, some members of your sales department have started using Power BI. They signed up with their @proseware.com work email addresses. This action created an unmanaged Azure Active Directory (Azure AD) organization with users in that team.</a:t>
+            </a:r>
+          </a:p>
+          <a:p>
+            <a:pPr lvl="0" indent="0" marL="0">
+              <a:buNone/>
+            </a:pPr>
+            <a:r>
+              <a:rPr/>
+              <a:t>In this unit, you’ll resolve the unmanaged Azure AD organization problem, explore other problems, and see how to resolve them.</a:t>
+            </a:r>
+          </a:p>
         </p:txBody>
       </p:sp>
     </p:spTree>
   </p:cSld>
-  <p:clrMapOvr>
-    <a:masterClrMapping/>
-  </p:clrMapOvr>
+</p:sld>
+</file>
+
+<file path=ppt/slides/slide2.xml><?xml version="1.0" encoding="utf-8"?>
+<p:sld xmlns:a="http://schemas.openxmlformats.org/drawingml/2006/main" xmlns:r="http://schemas.openxmlformats.org/officeDocument/2006/relationships" xmlns:p="http://schemas.openxmlformats.org/presentationml/2006/main">
+  <p:cSld>
+    <p:spTree>
+      <p:nvGrpSpPr>
+        <p:cNvPr id="1" name=""/>
+        <p:cNvGrpSpPr/>
+        <p:nvPr/>
+      </p:nvGrpSpPr>
+      <p:grpSpPr>
+        <a:xfrm>
+          <a:off x="0" y="0"/>
+          <a:ext cx="0" cy="0"/>
+          <a:chOff x="0" y="0"/>
+          <a:chExt cx="0" cy="0"/>
+        </a:xfrm>
+      </p:grpSpPr>
+      <p:sp>
+        <p:nvSpPr>
+          <p:cNvPr id="2" name="Title 1"/>
+          <p:cNvSpPr>
+            <a:spLocks noGrp="1"/>
+          </p:cNvSpPr>
+          <p:nvPr>
+            <p:ph type="title"/>
+          </p:nvPr>
+        </p:nvSpPr>
+        <p:spPr>
+          <a:xfrm>
+            <a:off x="457201" y="204787"/>
+            <a:ext cx="3008313" cy="871538"/>
+          </a:xfrm>
+        </p:spPr>
+        <p:txBody>
+          <a:bodyPr/>
+          <a:lstStyle/>
+          <a:p>
+            <a:pPr lvl="0" indent="0" marL="0">
+              <a:buNone/>
+            </a:pPr>
+            <a:r>
+              <a:rPr/>
+              <a:t>A custom domain name is under an unmanaged organization</a:t>
+            </a:r>
+          </a:p>
+        </p:txBody>
+      </p:sp>
+      <p:sp>
+        <p:nvSpPr>
+          <p:cNvPr id="4" name="Text Placeholder 3"/>
+          <p:cNvSpPr>
+            <a:spLocks noGrp="1"/>
+          </p:cNvSpPr>
+          <p:nvPr>
+            <p:ph idx="2" sz="half" type="body"/>
+          </p:nvPr>
+        </p:nvSpPr>
+        <p:spPr/>
+        <p:txBody>
+          <a:bodyPr/>
+          <a:lstStyle/>
+          <a:p>
+            <a:pPr lvl="0" indent="0" marL="0">
+              <a:buNone/>
+            </a:pPr>
+            <a:r>
+              <a:rPr/>
+              <a:t>If members of your organization sign up for another Microsoft service like OneDrive or Power BI, their email domain is used to create an unmanaged Azure AD organization. This organization or directory is useable for only that service. You can’t add it as a custom domain in Azure AD.</a:t>
+            </a:r>
+          </a:p>
+          <a:p>
+            <a:pPr lvl="0" indent="0" marL="0">
+              <a:buNone/>
+            </a:pPr>
+            <a:r>
+              <a:rPr/>
+              <a:t>You have two options to resolve this problem. Which you use depends on the service they signed up for.</a:t>
+            </a:r>
+          </a:p>
+          <a:p>
+            <a:pPr lvl="0"/>
+            <a:r>
+              <a:rPr b="1"/>
+              <a:t>Internal admin takeover</a:t>
+            </a:r>
+            <a:r>
+              <a:rPr/>
+              <a:t>: Add yourself as the global administrator for the unmanaged organization.</a:t>
+            </a:r>
+          </a:p>
+          <a:p>
+            <a:pPr lvl="0"/>
+            <a:r>
+              <a:rPr b="1"/>
+              <a:t>External admin takeover</a:t>
+            </a:r>
+            <a:r>
+              <a:rPr/>
+              <a:t>: Add the Domain Name System (DNS) domain name to your managed Azure AD organization.</a:t>
+            </a:r>
+          </a:p>
+          <a:p>
+            <a:pPr lvl="0" indent="0" marL="0">
+              <a:buNone/>
+            </a:pPr>
+            <a:r>
+              <a:rPr/>
+              <a:t>The best solution is external admin takeover. Unfortunately, that’s not an option for some services. The following table lists your option for each service.</a:t>
+            </a:r>
+          </a:p>
+        </p:txBody>
+      </p:sp>
+      <p:graphicFrame>
+        <p:nvGraphicFramePr>
+          <p:cNvPr id="6" name="Content Placeholder 5"/>
+          <p:cNvGraphicFramePr>
+            <a:graphicFrameLocks noGrp="1"/>
+          </p:cNvGraphicFramePr>
+          <p:nvPr>
+            <p:ph idx="1"/>
+          </p:nvPr>
+        </p:nvGraphicFramePr>
+        <p:xfrm>
+          <a:off x="3568700" y="203200"/>
+          <a:ext cx="5105400" cy="4381500"/>
+        </p:xfrm>
+        <a:graphic>
+          <a:graphicData uri="http://schemas.openxmlformats.org/drawingml/2006/table">
+            <a:tbl>
+              <a:tblPr firstRow="1" bandRow="1">
+                <a:tableStyleId>{5C22544A-7EE6-4342-B048-85BDC9FD1C3A}</a:tableStyleId>
+              </a:tblPr>
+              <a:tblGrid>
+                <a:gridCol w="2552700"/>
+                <a:gridCol w="2552700"/>
+              </a:tblGrid>
+              <a:tr h="0">
+                <a:tc>
+                  <a:txBody>
+                    <a:bodyPr/>
+                    <a:lstStyle/>
+                    <a:p>
+                      <a:pPr lvl="0" indent="0" marL="0">
+                        <a:buNone/>
+                      </a:pPr>
+                      <a:r>
+                        <a:rPr/>
+                        <a:t>Service</a:t>
+                      </a:r>
+                    </a:p>
+                  </a:txBody>
+                  <a:tcPr/>
+                </a:tc>
+                <a:tc>
+                  <a:txBody>
+                    <a:bodyPr/>
+                    <a:lstStyle/>
+                    <a:p>
+                      <a:pPr lvl="0" indent="0" marL="0">
+                        <a:buNone/>
+                      </a:pPr>
+                      <a:r>
+                        <a:rPr/>
+                        <a:t>Solution</a:t>
+                      </a:r>
+                    </a:p>
+                  </a:txBody>
+                  <a:tcPr/>
+                </a:tc>
+              </a:tr>
+              <a:tr h="0">
+                <a:tc>
+                  <a:txBody>
+                    <a:bodyPr/>
+                    <a:lstStyle/>
+                    <a:p>
+                      <a:pPr lvl="0" indent="0" marL="0">
+                        <a:buNone/>
+                      </a:pPr>
+                      <a:r>
+                        <a:rPr/>
+                        <a:t>SharePoint</a:t>
+                      </a:r>
+                    </a:p>
+                  </a:txBody>
+                </a:tc>
+                <a:tc>
+                  <a:txBody>
+                    <a:bodyPr/>
+                    <a:lstStyle/>
+                    <a:p>
+                      <a:pPr lvl="0" indent="0" marL="0">
+                        <a:buNone/>
+                      </a:pPr>
+                      <a:r>
+                        <a:rPr/>
+                        <a:t>Internal admin takeover</a:t>
+                      </a:r>
+                    </a:p>
+                  </a:txBody>
+                </a:tc>
+              </a:tr>
+              <a:tr h="0">
+                <a:tc>
+                  <a:txBody>
+                    <a:bodyPr/>
+                    <a:lstStyle/>
+                    <a:p>
+                      <a:pPr lvl="0" indent="0" marL="0">
+                        <a:buNone/>
+                      </a:pPr>
+                      <a:r>
+                        <a:rPr/>
+                        <a:t>OneDrive</a:t>
+                      </a:r>
+                    </a:p>
+                  </a:txBody>
+                </a:tc>
+                <a:tc>
+                  <a:txBody>
+                    <a:bodyPr/>
+                    <a:lstStyle/>
+                    <a:p>
+                      <a:pPr lvl="0" indent="0" marL="0">
+                        <a:buNone/>
+                      </a:pPr>
+                      <a:r>
+                        <a:rPr/>
+                        <a:t>Internal admin takeover</a:t>
+                      </a:r>
+                    </a:p>
+                  </a:txBody>
+                </a:tc>
+              </a:tr>
+              <a:tr h="0">
+                <a:tc>
+                  <a:txBody>
+                    <a:bodyPr/>
+                    <a:lstStyle/>
+                    <a:p>
+                      <a:pPr lvl="0" indent="0" marL="0">
+                        <a:buNone/>
+                      </a:pPr>
+                      <a:r>
+                        <a:rPr/>
+                        <a:t>Microsoft 365</a:t>
+                      </a:r>
+                    </a:p>
+                  </a:txBody>
+                </a:tc>
+                <a:tc>
+                  <a:txBody>
+                    <a:bodyPr/>
+                    <a:lstStyle/>
+                    <a:p>
+                      <a:pPr lvl="0" indent="0" marL="0">
+                        <a:buNone/>
+                      </a:pPr>
+                      <a:r>
+                        <a:rPr/>
+                        <a:t>Internal admin takeover</a:t>
+                      </a:r>
+                    </a:p>
+                  </a:txBody>
+                </a:tc>
+              </a:tr>
+              <a:tr h="0">
+                <a:tc>
+                  <a:txBody>
+                    <a:bodyPr/>
+                    <a:lstStyle/>
+                    <a:p>
+                      <a:pPr lvl="0" indent="0" marL="0">
+                        <a:buNone/>
+                      </a:pPr>
+                      <a:r>
+                        <a:rPr/>
+                        <a:t>Power BI</a:t>
+                      </a:r>
+                    </a:p>
+                  </a:txBody>
+                </a:tc>
+                <a:tc>
+                  <a:txBody>
+                    <a:bodyPr/>
+                    <a:lstStyle/>
+                    <a:p>
+                      <a:pPr lvl="0" indent="0" marL="0">
+                        <a:buNone/>
+                      </a:pPr>
+                      <a:r>
+                        <a:rPr/>
+                        <a:t>External admin takeover</a:t>
+                      </a:r>
+                    </a:p>
+                  </a:txBody>
+                </a:tc>
+              </a:tr>
+              <a:tr h="0">
+                <a:tc>
+                  <a:txBody>
+                    <a:bodyPr/>
+                    <a:lstStyle/>
+                    <a:p>
+                      <a:pPr lvl="0" indent="0" marL="0">
+                        <a:buNone/>
+                      </a:pPr>
+                      <a:r>
+                        <a:rPr/>
+                        <a:t>Azure Rights Management</a:t>
+                      </a:r>
+                    </a:p>
+                  </a:txBody>
+                </a:tc>
+                <a:tc>
+                  <a:txBody>
+                    <a:bodyPr/>
+                    <a:lstStyle/>
+                    <a:p>
+                      <a:pPr lvl="0" indent="0" marL="0">
+                        <a:buNone/>
+                      </a:pPr>
+                      <a:r>
+                        <a:rPr/>
+                        <a:t>External admin takeover</a:t>
+                      </a:r>
+                    </a:p>
+                  </a:txBody>
+                </a:tc>
+              </a:tr>
+              <a:tr h="0">
+                <a:tc>
+                  <a:txBody>
+                    <a:bodyPr/>
+                    <a:lstStyle/>
+                    <a:p>
+                      <a:pPr lvl="0" indent="0" marL="0">
+                        <a:buNone/>
+                      </a:pPr>
+                      <a:r>
+                        <a:rPr/>
+                        <a:t>Exchange Online</a:t>
+                      </a:r>
+                    </a:p>
+                  </a:txBody>
+                </a:tc>
+                <a:tc>
+                  <a:txBody>
+                    <a:bodyPr/>
+                    <a:lstStyle/>
+                    <a:p>
+                      <a:pPr lvl="0" indent="0" marL="0">
+                        <a:buNone/>
+                      </a:pPr>
+                      <a:r>
+                        <a:rPr/>
+                        <a:t>External admin takeover</a:t>
+                      </a:r>
+                    </a:p>
+                  </a:txBody>
+                </a:tc>
+              </a:tr>
+              <a:tr h="0">
+                <a:tc>
+                  <a:txBody>
+                    <a:bodyPr/>
+                    <a:lstStyle/>
+                    <a:p>
+                      <a:pPr lvl="0" indent="0" marL="0">
+                        <a:buNone/>
+                      </a:pPr>
+                      <a:r>
+                        <a:rPr/>
+                        <a:t>Dynamics 365</a:t>
+                      </a:r>
+                    </a:p>
+                  </a:txBody>
+                </a:tc>
+                <a:tc>
+                  <a:txBody>
+                    <a:bodyPr/>
+                    <a:lstStyle/>
+                    <a:p>
+                      <a:pPr lvl="0" indent="0" marL="0">
+                        <a:buNone/>
+                      </a:pPr>
+                      <a:r>
+                        <a:rPr/>
+                        <a:t>External admin takeover</a:t>
+                      </a:r>
+                    </a:p>
+                  </a:txBody>
+                </a:tc>
+              </a:tr>
+            </a:tbl>
+          </a:graphicData>
+        </a:graphic>
+      </p:graphicFrame>
+    </p:spTree>
+  </p:cSld>
+</p:sld>
+</file>
+
+<file path=ppt/slides/slide3.xml><?xml version="1.0" encoding="utf-8"?>
+<p:sld xmlns:a="http://schemas.openxmlformats.org/drawingml/2006/main" xmlns:r="http://schemas.openxmlformats.org/officeDocument/2006/relationships" xmlns:p="http://schemas.openxmlformats.org/presentationml/2006/main">
+  <p:cSld>
+    <p:spTree>
+      <p:nvGrpSpPr>
+        <p:cNvPr id="1" name=""/>
+        <p:cNvGrpSpPr/>
+        <p:nvPr/>
+      </p:nvGrpSpPr>
+      <p:grpSpPr>
+        <a:xfrm>
+          <a:off x="0" y="0"/>
+          <a:ext cx="0" cy="0"/>
+          <a:chOff x="0" y="0"/>
+          <a:chExt cx="0" cy="0"/>
+        </a:xfrm>
+      </p:grpSpPr>
+      <p:sp>
+        <p:nvSpPr>
+          <p:cNvPr id="3" name="Content Placeholder 2"/>
+          <p:cNvSpPr>
+            <a:spLocks noGrp="1"/>
+          </p:cNvSpPr>
+          <p:nvPr>
+            <p:ph idx="1"/>
+          </p:nvPr>
+        </p:nvSpPr>
+        <p:spPr/>
+        <p:txBody>
+          <a:bodyPr/>
+          <a:lstStyle/>
+          <a:p>
+            <a:pPr lvl="0" indent="0" marL="0">
+              <a:buNone/>
+            </a:pPr>
+            <a:r>
+              <a:rPr/>
+              <a:t>Because the sales team signed up for Power BI in this scenario, you can do an external admin takeover. The steps are the same as for adding a custom domain. The unmanaged organization won’t stop you from completing those steps.</a:t>
+            </a:r>
+          </a:p>
+          <a:p>
+            <a:pPr lvl="0" indent="0" marL="0">
+              <a:buNone/>
+            </a:pPr>
+            <a:r>
+              <a:rPr/>
+              <a:t>After you add your custom domain to your managed organization, all the following items are moved into your Azure AD organization:</a:t>
+            </a:r>
+          </a:p>
+          <a:p>
+            <a:pPr lvl="0"/>
+            <a:r>
+              <a:rPr/>
+              <a:t>Domain name users</a:t>
+            </a:r>
+          </a:p>
+          <a:p>
+            <a:pPr lvl="0"/>
+            <a:r>
+              <a:rPr/>
+              <a:t>Subscriptions</a:t>
+            </a:r>
+          </a:p>
+          <a:p>
+            <a:pPr lvl="0"/>
+            <a:r>
+              <a:rPr/>
+              <a:t>License assignments</a:t>
+            </a:r>
+          </a:p>
+          <a:p>
+            <a:pPr lvl="0" indent="0" marL="0">
+              <a:buNone/>
+            </a:pPr>
+            <a:r>
+              <a:rPr/>
+              <a:t>Internal admin takeovers are more complex and involve signing up for a Power BI account for the unmanaged organization. After you sign up, use Microsoft 365 to verify the domain name. No users or service plans migrate during an internal takeover.</a:t>
+            </a:r>
+          </a:p>
+        </p:txBody>
+      </p:sp>
+    </p:spTree>
+  </p:cSld>
+</p:sld>
+</file>
+
+<file path=ppt/slides/slide4.xml><?xml version="1.0" encoding="utf-8"?>
+<p:sld xmlns:a="http://schemas.openxmlformats.org/drawingml/2006/main" xmlns:r="http://schemas.openxmlformats.org/officeDocument/2006/relationships" xmlns:p="http://schemas.openxmlformats.org/presentationml/2006/main">
+  <p:cSld>
+    <p:spTree>
+      <p:nvGrpSpPr>
+        <p:cNvPr id="1" name=""/>
+        <p:cNvGrpSpPr/>
+        <p:nvPr/>
+      </p:nvGrpSpPr>
+      <p:grpSpPr>
+        <a:xfrm>
+          <a:off x="0" y="0"/>
+          <a:ext cx="0" cy="0"/>
+          <a:chOff x="0" y="0"/>
+          <a:chExt cx="0" cy="0"/>
+        </a:xfrm>
+      </p:grpSpPr>
+      <p:sp>
+        <p:nvSpPr>
+          <p:cNvPr id="2" name="Title 1"/>
+          <p:cNvSpPr>
+            <a:spLocks noGrp="1"/>
+          </p:cNvSpPr>
+          <p:nvPr>
+            <p:ph type="title"/>
+          </p:nvPr>
+        </p:nvSpPr>
+        <p:spPr/>
+        <p:txBody>
+          <a:bodyPr/>
+          <a:lstStyle/>
+          <a:p>
+            <a:pPr lvl="0" indent="0" marL="0">
+              <a:buNone/>
+            </a:pPr>
+            <a:r>
+              <a:rPr/>
+              <a:t>Domain name verification isn’t working</a:t>
+            </a:r>
+          </a:p>
+        </p:txBody>
+      </p:sp>
+      <p:sp>
+        <p:nvSpPr>
+          <p:cNvPr id="3" name="Content Placeholder 2"/>
+          <p:cNvSpPr>
+            <a:spLocks noGrp="1"/>
+          </p:cNvSpPr>
+          <p:nvPr>
+            <p:ph idx="1"/>
+          </p:nvPr>
+        </p:nvSpPr>
+        <p:spPr/>
+        <p:txBody>
+          <a:bodyPr/>
+          <a:lstStyle/>
+          <a:p>
+            <a:pPr lvl="0" indent="0" marL="0">
+              <a:buNone/>
+            </a:pPr>
+            <a:r>
+              <a:rPr/>
+              <a:t>When you verify your domain, you update the DNS records with your domain name registrar. A period of time is required for the change to propagate through the world’s DNS servers. The time taken can be an hour or more. During this period, Azure can’t read the record or verify the domain name.</a:t>
+            </a:r>
+          </a:p>
+          <a:p>
+            <a:pPr lvl="0" indent="0" marL="0">
+              <a:buNone/>
+            </a:pPr>
+            <a:r>
+              <a:rPr/>
+              <a:t>If the domain is still unverified after an hour, check that you’ve entered the correct details. You can check them directly with your registrar or by using the </a:t>
+            </a:r>
+            <a:r>
+              <a:rPr>
+                <a:latin typeface="Courier"/>
+              </a:rPr>
+              <a:t>Resolve-DnsName</a:t>
+            </a:r>
+            <a:r>
+              <a:rPr/>
+              <a:t> PowerShell command.</a:t>
+            </a:r>
+          </a:p>
+          <a:p>
+            <a:pPr lvl="0" indent="0">
+              <a:buNone/>
+            </a:pPr>
+            <a:r>
+              <a:rPr>
+                <a:latin typeface="Courier"/>
+              </a:rPr>
+              <a:t>Resolve-DnsName -Name proseware.com -Type TXT</a:t>
+            </a:r>
+          </a:p>
+          <a:p>
+            <a:pPr lvl="0" indent="0" marL="0">
+              <a:buNone/>
+            </a:pPr>
+            <a:r>
+              <a:rPr/>
+              <a:t>You should see something like this:</a:t>
+            </a:r>
+          </a:p>
+          <a:p>
+            <a:pPr lvl="0" indent="0">
+              <a:buNone/>
+            </a:pPr>
+            <a:r>
+              <a:rPr>
+                <a:latin typeface="Courier"/>
+              </a:rPr>
+              <a:t>Name                                     Type   TTL   Section    Strings
+----                                     ----   ---   -------    -------
+proseware.com                            TXT    3600  Answer     {MS=ms94126796}</a:t>
+            </a:r>
+          </a:p>
+        </p:txBody>
+      </p:sp>
+    </p:spTree>
+  </p:cSld>
+</p:sld>
+</file>
+
+<file path=ppt/slides/slide5.xml><?xml version="1.0" encoding="utf-8"?>
+<p:sld xmlns:a="http://schemas.openxmlformats.org/drawingml/2006/main" xmlns:r="http://schemas.openxmlformats.org/officeDocument/2006/relationships" xmlns:p="http://schemas.openxmlformats.org/presentationml/2006/main">
+  <p:cSld>
+    <p:spTree>
+      <p:nvGrpSpPr>
+        <p:cNvPr id="1" name=""/>
+        <p:cNvGrpSpPr/>
+        <p:nvPr/>
+      </p:nvGrpSpPr>
+      <p:grpSpPr>
+        <a:xfrm>
+          <a:off x="0" y="0"/>
+          <a:ext cx="0" cy="0"/>
+          <a:chOff x="0" y="0"/>
+          <a:chExt cx="0" cy="0"/>
+        </a:xfrm>
+      </p:grpSpPr>
+      <p:sp>
+        <p:nvSpPr>
+          <p:cNvPr id="2" name="Title 1"/>
+          <p:cNvSpPr>
+            <a:spLocks noGrp="1"/>
+          </p:cNvSpPr>
+          <p:nvPr>
+            <p:ph type="title"/>
+          </p:nvPr>
+        </p:nvSpPr>
+        <p:spPr/>
+        <p:txBody>
+          <a:bodyPr/>
+          <a:lstStyle/>
+          <a:p>
+            <a:pPr lvl="0" indent="0" marL="0">
+              <a:buNone/>
+            </a:pPr>
+            <a:r>
+              <a:rPr/>
+              <a:t>A domain name is already in use</a:t>
+            </a:r>
+          </a:p>
+        </p:txBody>
+      </p:sp>
+      <p:sp>
+        <p:nvSpPr>
+          <p:cNvPr id="3" name="Content Placeholder 2"/>
+          <p:cNvSpPr>
+            <a:spLocks noGrp="1"/>
+          </p:cNvSpPr>
+          <p:nvPr>
+            <p:ph idx="1"/>
+          </p:nvPr>
+        </p:nvSpPr>
+        <p:spPr/>
+        <p:txBody>
+          <a:bodyPr/>
+          <a:lstStyle/>
+          <a:p>
+            <a:pPr lvl="0" indent="0" marL="0">
+              <a:buNone/>
+            </a:pPr>
+            <a:r>
+              <a:rPr/>
+              <a:t>A domain name created in one Azure AD organization won’t be verified in a new organization. Delete the custom domain name from the old Azure AD organization. Also delete any created users or apps that use the domain name in their app ID URI. After you delete these resources and the domain name, you can then add the custom domain name to the new Azure AD organization.</a:t>
+            </a:r>
+          </a:p>
+        </p:txBody>
+      </p:sp>
+    </p:spTree>
+  </p:cSld>
+</p:sld>
+</file>
+
+<file path=ppt/slides/slide6.xml><?xml version="1.0" encoding="utf-8"?>
+<p:sld xmlns:a="http://schemas.openxmlformats.org/drawingml/2006/main" xmlns:r="http://schemas.openxmlformats.org/officeDocument/2006/relationships" xmlns:p="http://schemas.openxmlformats.org/presentationml/2006/main">
+  <p:cSld>
+    <p:spTree>
+      <p:nvGrpSpPr>
+        <p:cNvPr id="1" name=""/>
+        <p:cNvGrpSpPr/>
+        <p:nvPr/>
+      </p:nvGrpSpPr>
+      <p:grpSpPr>
+        <a:xfrm>
+          <a:off x="0" y="0"/>
+          <a:ext cx="0" cy="0"/>
+          <a:chOff x="0" y="0"/>
+          <a:chExt cx="0" cy="0"/>
+        </a:xfrm>
+      </p:grpSpPr>
+      <p:sp>
+        <p:nvSpPr>
+          <p:cNvPr id="2" name="Title 1"/>
+          <p:cNvSpPr>
+            <a:spLocks noGrp="1"/>
+          </p:cNvSpPr>
+          <p:nvPr>
+            <p:ph type="title"/>
+          </p:nvPr>
+        </p:nvSpPr>
+        <p:spPr/>
+        <p:txBody>
+          <a:bodyPr/>
+          <a:lstStyle/>
+          <a:p>
+            <a:pPr lvl="0" indent="0" marL="0">
+              <a:buNone/>
+            </a:pPr>
+            <a:r>
+              <a:rPr/>
+              <a:t>Check your knowledge</a:t>
+            </a:r>
+          </a:p>
+        </p:txBody>
+      </p:sp>
+      <p:sp>
+        <p:nvSpPr>
+          <p:cNvPr id="3" name="Content Placeholder 2"/>
+          <p:cNvSpPr>
+            <a:spLocks noGrp="1"/>
+          </p:cNvSpPr>
+          <p:nvPr>
+            <p:ph idx="1"/>
+          </p:nvPr>
+        </p:nvSpPr>
+        <p:spPr/>
+        <p:txBody>
+          <a:bodyPr/>
+          <a:lstStyle/>
+          <a:p>
+            <a:pPr lvl="0" indent="0" marL="0">
+              <a:buNone/>
+            </a:pPr>
+            <a:r>
+              <a:rPr/>
+              <a:t>Need help? See our </a:t>
+            </a:r>
+            <a:r>
+              <a:rPr>
+                <a:hlinkClick r:id="rId2"/>
+              </a:rPr>
+              <a:t>troubleshooting guide</a:t>
+            </a:r>
+            <a:r>
+              <a:rPr/>
+              <a:t> or provide specific feedback by </a:t>
+            </a:r>
+            <a:r>
+              <a:rPr>
+                <a:hlinkClick r:id="rId3"/>
+              </a:rPr>
+              <a:t>reporting an issue</a:t>
+            </a:r>
+            <a:r>
+              <a:rPr/>
+              <a:t>.</a:t>
+            </a:r>
+          </a:p>
+        </p:txBody>
+      </p:sp>
+    </p:spTree>
+  </p:cSld>
 </p:sld>
 </file>
 
@@ -3467,4 +4245,265 @@
   </a:objectDefaults>
   <a:extraClrSchemeLst/>
 </a:theme>
+</file>
+
+<file path=ppt/theme/theme2.xml><?xml version="1.0" encoding="utf-8"?>
+<a:theme xmlns:a="http://schemas.openxmlformats.org/drawingml/2006/main" name="Office Theme">
+  <a:themeElements>
+    <a:clrScheme name="Office">
+      <a:dk1>
+        <a:sysClr val="windowText" lastClr="000000"/>
+      </a:dk1>
+      <a:lt1>
+        <a:sysClr val="window" lastClr="FFFFFF"/>
+      </a:lt1>
+      <a:dk2>
+        <a:srgbClr val="44546A"/>
+      </a:dk2>
+      <a:lt2>
+        <a:srgbClr val="E7E6E6"/>
+      </a:lt2>
+      <a:accent1>
+        <a:srgbClr val="5B9BD5"/>
+      </a:accent1>
+      <a:accent2>
+        <a:srgbClr val="ED7D31"/>
+      </a:accent2>
+      <a:accent3>
+        <a:srgbClr val="A5A5A5"/>
+      </a:accent3>
+      <a:accent4>
+        <a:srgbClr val="FFC000"/>
+      </a:accent4>
+      <a:accent5>
+        <a:srgbClr val="4472C4"/>
+      </a:accent5>
+      <a:accent6>
+        <a:srgbClr val="70AD47"/>
+      </a:accent6>
+      <a:hlink>
+        <a:srgbClr val="0563C1"/>
+      </a:hlink>
+      <a:folHlink>
+        <a:srgbClr val="954F72"/>
+      </a:folHlink>
+    </a:clrScheme>
+    <a:fontScheme name="Office">
+      <a:majorFont>
+        <a:latin typeface="Calibri Light" panose="020F0302020204030204"/>
+        <a:ea typeface=""/>
+        <a:cs typeface=""/>
+        <a:font script="Jpan" typeface="ＭＳ Ｐゴシック"/>
+        <a:font script="Hang" typeface="맑은 고딕"/>
+        <a:font script="Hans" typeface="宋体"/>
+        <a:font script="Hant" typeface="新細明體"/>
+        <a:font script="Arab" typeface="Times New Roman"/>
+        <a:font script="Hebr" typeface="Times New Roman"/>
+        <a:font script="Thai" typeface="Angsana New"/>
+        <a:font script="Ethi" typeface="Nyala"/>
+        <a:font script="Beng" typeface="Vrinda"/>
+        <a:font script="Gujr" typeface="Shruti"/>
+        <a:font script="Khmr" typeface="MoolBoran"/>
+        <a:font script="Knda" typeface="Tunga"/>
+        <a:font script="Guru" typeface="Raavi"/>
+        <a:font script="Cans" typeface="Euphemia"/>
+        <a:font script="Cher" typeface="Plantagenet Cherokee"/>
+        <a:font script="Yiii" typeface="Microsoft Yi Baiti"/>
+        <a:font script="Tibt" typeface="Microsoft Himalaya"/>
+        <a:font script="Thaa" typeface="MV Boli"/>
+        <a:font script="Deva" typeface="Mangal"/>
+        <a:font script="Telu" typeface="Gautami"/>
+        <a:font script="Taml" typeface="Latha"/>
+        <a:font script="Syrc" typeface="Estrangelo Edessa"/>
+        <a:font script="Orya" typeface="Kalinga"/>
+        <a:font script="Mlym" typeface="Kartika"/>
+        <a:font script="Laoo" typeface="DokChampa"/>
+        <a:font script="Sinh" typeface="Iskoola Pota"/>
+        <a:font script="Mong" typeface="Mongolian Baiti"/>
+        <a:font script="Viet" typeface="Times New Roman"/>
+        <a:font script="Uigh" typeface="Microsoft Uighur"/>
+        <a:font script="Geor" typeface="Sylfaen"/>
+      </a:majorFont>
+      <a:minorFont>
+        <a:latin typeface="Calibri" panose="020F0502020204030204"/>
+        <a:ea typeface=""/>
+        <a:cs typeface=""/>
+        <a:font script="Jpan" typeface="ＭＳ Ｐゴシック"/>
+        <a:font script="Hang" typeface="맑은 고딕"/>
+        <a:font script="Hans" typeface="宋体"/>
+        <a:font script="Hant" typeface="新細明體"/>
+        <a:font script="Arab" typeface="Arial"/>
+        <a:font script="Hebr" typeface="Arial"/>
+        <a:font script="Thai" typeface="Cordia New"/>
+        <a:font script="Ethi" typeface="Nyala"/>
+        <a:font script="Beng" typeface="Vrinda"/>
+        <a:font script="Gujr" typeface="Shruti"/>
+        <a:font script="Khmr" typeface="DaunPenh"/>
+        <a:font script="Knda" typeface="Tunga"/>
+        <a:font script="Guru" typeface="Raavi"/>
+        <a:font script="Cans" typeface="Euphemia"/>
+        <a:font script="Cher" typeface="Plantagenet Cherokee"/>
+        <a:font script="Yiii" typeface="Microsoft Yi Baiti"/>
+        <a:font script="Tibt" typeface="Microsoft Himalaya"/>
+        <a:font script="Thaa" typeface="MV Boli"/>
+        <a:font script="Deva" typeface="Mangal"/>
+        <a:font script="Telu" typeface="Gautami"/>
+        <a:font script="Taml" typeface="Latha"/>
+        <a:font script="Syrc" typeface="Estrangelo Edessa"/>
+        <a:font script="Orya" typeface="Kalinga"/>
+        <a:font script="Mlym" typeface="Kartika"/>
+        <a:font script="Laoo" typeface="DokChampa"/>
+        <a:font script="Sinh" typeface="Iskoola Pota"/>
+        <a:font script="Mong" typeface="Mongolian Baiti"/>
+        <a:font script="Viet" typeface="Arial"/>
+        <a:font script="Uigh" typeface="Microsoft Uighur"/>
+        <a:font script="Geor" typeface="Sylfaen"/>
+      </a:minorFont>
+    </a:fontScheme>
+    <a:fmtScheme name="Office">
+      <a:fillStyleLst>
+        <a:solidFill>
+          <a:schemeClr val="phClr"/>
+        </a:solidFill>
+        <a:gradFill rotWithShape="1">
+          <a:gsLst>
+            <a:gs pos="0">
+              <a:schemeClr val="phClr">
+                <a:lumMod val="110000"/>
+                <a:satMod val="105000"/>
+                <a:tint val="67000"/>
+              </a:schemeClr>
+            </a:gs>
+            <a:gs pos="50000">
+              <a:schemeClr val="phClr">
+                <a:lumMod val="105000"/>
+                <a:satMod val="103000"/>
+                <a:tint val="73000"/>
+              </a:schemeClr>
+            </a:gs>
+            <a:gs pos="100000">
+              <a:schemeClr val="phClr">
+                <a:lumMod val="105000"/>
+                <a:satMod val="109000"/>
+                <a:tint val="81000"/>
+              </a:schemeClr>
+            </a:gs>
+          </a:gsLst>
+          <a:lin ang="5400000" scaled="0"/>
+        </a:gradFill>
+        <a:gradFill rotWithShape="1">
+          <a:gsLst>
+            <a:gs pos="0">
+              <a:schemeClr val="phClr">
+                <a:satMod val="103000"/>
+                <a:lumMod val="102000"/>
+                <a:tint val="94000"/>
+              </a:schemeClr>
+            </a:gs>
+            <a:gs pos="50000">
+              <a:schemeClr val="phClr">
+                <a:satMod val="110000"/>
+                <a:lumMod val="100000"/>
+                <a:shade val="100000"/>
+              </a:schemeClr>
+            </a:gs>
+            <a:gs pos="100000">
+              <a:schemeClr val="phClr">
+                <a:lumMod val="99000"/>
+                <a:satMod val="120000"/>
+                <a:shade val="78000"/>
+              </a:schemeClr>
+            </a:gs>
+          </a:gsLst>
+          <a:lin ang="5400000" scaled="0"/>
+        </a:gradFill>
+      </a:fillStyleLst>
+      <a:lnStyleLst>
+        <a:ln w="6350" cap="flat" cmpd="sng" algn="ctr">
+          <a:solidFill>
+            <a:schemeClr val="phClr"/>
+          </a:solidFill>
+          <a:prstDash val="solid"/>
+          <a:miter lim="800000"/>
+        </a:ln>
+        <a:ln w="12700" cap="flat" cmpd="sng" algn="ctr">
+          <a:solidFill>
+            <a:schemeClr val="phClr"/>
+          </a:solidFill>
+          <a:prstDash val="solid"/>
+          <a:miter lim="800000"/>
+        </a:ln>
+        <a:ln w="19050" cap="flat" cmpd="sng" algn="ctr">
+          <a:solidFill>
+            <a:schemeClr val="phClr"/>
+          </a:solidFill>
+          <a:prstDash val="solid"/>
+          <a:miter lim="800000"/>
+        </a:ln>
+      </a:lnStyleLst>
+      <a:effectStyleLst>
+        <a:effectStyle>
+          <a:effectLst/>
+        </a:effectStyle>
+        <a:effectStyle>
+          <a:effectLst/>
+        </a:effectStyle>
+        <a:effectStyle>
+          <a:effectLst>
+            <a:outerShdw blurRad="57150" dist="19050" dir="5400000" algn="ctr" rotWithShape="0">
+              <a:srgbClr val="000000">
+                <a:alpha val="63000"/>
+              </a:srgbClr>
+            </a:outerShdw>
+          </a:effectLst>
+        </a:effectStyle>
+      </a:effectStyleLst>
+      <a:bgFillStyleLst>
+        <a:solidFill>
+          <a:schemeClr val="phClr"/>
+        </a:solidFill>
+        <a:solidFill>
+          <a:schemeClr val="phClr">
+            <a:tint val="95000"/>
+            <a:satMod val="170000"/>
+          </a:schemeClr>
+        </a:solidFill>
+        <a:gradFill rotWithShape="1">
+          <a:gsLst>
+            <a:gs pos="0">
+              <a:schemeClr val="phClr">
+                <a:tint val="93000"/>
+                <a:satMod val="150000"/>
+                <a:shade val="98000"/>
+                <a:lumMod val="102000"/>
+              </a:schemeClr>
+            </a:gs>
+            <a:gs pos="50000">
+              <a:schemeClr val="phClr">
+                <a:tint val="98000"/>
+                <a:satMod val="130000"/>
+                <a:shade val="90000"/>
+                <a:lumMod val="103000"/>
+              </a:schemeClr>
+            </a:gs>
+            <a:gs pos="100000">
+              <a:schemeClr val="phClr">
+                <a:shade val="63000"/>
+                <a:satMod val="120000"/>
+              </a:schemeClr>
+            </a:gs>
+          </a:gsLst>
+          <a:lin ang="5400000" scaled="0"/>
+        </a:gradFill>
+      </a:bgFillStyleLst>
+    </a:fmtScheme>
+  </a:themeElements>
+  <a:objectDefaults/>
+  <a:extraClrSchemeLst/>
+  <a:extLst>
+    <a:ext uri="{05A4C25C-085E-4340-85A3-A5531E510DB2}">
+      <thm15:themeFamily xmlns:thm15="http://schemas.microsoft.com/office/thememl/2012/main" name="Office Theme" id="{62F939B6-93AF-4DB8-9C6B-D6C7DFDC589F}" vid="{4A3C46E8-61CC-4603-A589-7422A47A8E4A}"/>
+    </a:ext>
+  </a:extLst>
+</a:theme>
 </file>